--- a/modelo_poster_11a_semest.pptx
+++ b/modelo_poster_11a_semest.pptx
@@ -148,7 +148,7 @@
             <a:srgbClr val="A4A3A4"/>
           </p15:clr>
         </p15:guide>
-        <p15:guide id="2" pos="10205" userDrawn="1">
+        <p15:guide id="2" pos="10159" userDrawn="1">
           <p15:clr>
             <a:srgbClr val="A4A3A4"/>
           </p15:clr>
@@ -607,7 +607,7 @@
             <a:fld id="{EBA8F28D-A6A0-4B3E-92F3-1091601FA7AC}" type="datetimeFigureOut">
               <a:rPr lang="pt-BR" altLang="pt-BR"/>
               <a:pPr/>
-              <a:t>08/10/2019</a:t>
+              <a:t>10/10/2019</a:t>
             </a:fld>
             <a:endParaRPr lang="pt-BR" altLang="pt-BR"/>
           </a:p>
@@ -5980,34 +5980,31 @@
         </p:nvSpPr>
         <p:spPr bwMode="auto">
           <a:xfrm>
-            <a:off x="648202" y="7486751"/>
+            <a:off x="508298" y="7552580"/>
             <a:ext cx="15407447" cy="935966"/>
           </a:xfrm>
           <a:prstGeom prst="rect">
             <a:avLst/>
           </a:prstGeom>
-          <a:solidFill>
-            <a:srgbClr val="B0C6DE"/>
-          </a:solidFill>
-          <a:ln w="38100" cmpd="dbl">
-            <a:solidFill>
-              <a:schemeClr val="tx1"/>
-            </a:solidFill>
-            <a:miter lim="800000"/>
+          <a:ln>
             <a:headEnd/>
             <a:tailEnd/>
           </a:ln>
-          <a:effectLst>
-            <a:softEdge rad="0"/>
-          </a:effectLst>
-          <a:scene3d>
-            <a:camera prst="orthographicFront"/>
-            <a:lightRig rig="threePt" dir="t"/>
-          </a:scene3d>
-          <a:sp3d contourW="50800">
-            <a:bevelT/>
-          </a:sp3d>
-        </p:spPr>
+        </p:spPr>
+        <p:style>
+          <a:lnRef idx="1">
+            <a:schemeClr val="dk1"/>
+          </a:lnRef>
+          <a:fillRef idx="2">
+            <a:schemeClr val="dk1"/>
+          </a:fillRef>
+          <a:effectRef idx="1">
+            <a:schemeClr val="dk1"/>
+          </a:effectRef>
+          <a:fontRef idx="minor">
+            <a:schemeClr val="dk1"/>
+          </a:fontRef>
+        </p:style>
         <p:txBody>
           <a:bodyPr anchor="ctr"/>
           <a:lstStyle>
@@ -6147,8 +6144,8 @@
         </p:nvSpPr>
         <p:spPr>
           <a:xfrm>
-            <a:off x="576205" y="8494715"/>
-            <a:ext cx="15407447" cy="523220"/>
+            <a:off x="580888" y="8888026"/>
+            <a:ext cx="15407447" cy="8710077"/>
           </a:xfrm>
           <a:prstGeom prst="rect">
             <a:avLst/>
@@ -6164,8 +6161,84 @@
             <a:pPr algn="just"/>
             <a:r>
               <a:rPr lang="pt-BR" sz="2800" dirty="0"/>
-              <a:t>Coloque aqui a introdução do seu trabalho.</a:t>
-            </a:r>
+              <a:t>O R Ladies é uma organização mundial cuja missão é promover a diversidade de gênero na comunidade da linguagem </a:t>
+            </a:r>
+            <a:r>
+              <a:rPr lang="pt-BR" sz="2800" dirty="0" smtClean="0"/>
+              <a:t>R [1]. No dia 01 de outubro de 2012, a brasileira Gabriela de Queiroz fundou o R Ladies na cidade de São Francisco, Califórnia (EUA).  O objetivo era repassar seus conhecimentos da linguagem de forma simples, informal e gratuita para todos. Os encontros são conhecidos como capítulos e neles são abordados temas e pacotes do R através de palestras e/ou cursos. </a:t>
+            </a:r>
+          </a:p>
+          <a:p>
+            <a:pPr algn="just"/>
+            <a:endParaRPr lang="pt-BR" sz="2800" dirty="0" smtClean="0"/>
+          </a:p>
+          <a:p>
+            <a:pPr algn="just"/>
+            <a:r>
+              <a:rPr lang="pt-BR" sz="2800" dirty="0"/>
+              <a:t>O R Ladies Niterói foi fundado pela Professora Doutora Luciane Alcoforado com a colaboração da doutoranda Noelle Camello, das alunas Julia Hellen Ferreira e Maciela Rodrigues</a:t>
+            </a:r>
+            <a:r>
+              <a:rPr lang="pt-BR" sz="2800" dirty="0" smtClean="0"/>
+              <a:t>. Em agosto de 2018, aconteceu o 1º capítulo na Universidade Federal Fluminense. A programação abordou os seguintes temas : </a:t>
+            </a:r>
+            <a:r>
+              <a:rPr lang="pt-BR" sz="2800" b="1" dirty="0"/>
+              <a:t>“O R e suas infinitas possibilidades”</a:t>
+            </a:r>
+            <a:r>
+              <a:rPr lang="pt-BR" sz="2800" dirty="0"/>
+              <a:t> pela palestrante Noelle Camello e </a:t>
+            </a:r>
+            <a:r>
+              <a:rPr lang="pt-BR" sz="2800" b="1" dirty="0"/>
+              <a:t>“R Commander para leigos em R”</a:t>
+            </a:r>
+            <a:r>
+              <a:rPr lang="pt-BR" sz="2800" dirty="0"/>
+              <a:t> pelas alunas da graduação em estatística da UFF, Julia Hellen Ferreira e Maciela </a:t>
+            </a:r>
+            <a:r>
+              <a:rPr lang="pt-BR" sz="2800" dirty="0" smtClean="0"/>
+              <a:t>Rodrigues. Foi encerrado com uma apresentação da Luciane Alcoforado sobre </a:t>
+            </a:r>
+            <a:r>
+              <a:rPr lang="pt-BR" sz="2800" b="1" dirty="0" smtClean="0"/>
+              <a:t>“O Projeto Estatística é com R</a:t>
+            </a:r>
+            <a:r>
+              <a:rPr lang="pt-BR" sz="2800" dirty="0" smtClean="0"/>
+              <a:t>”.  Segundo o site MeetUp [2], o capítulo teve 126 inscritos que </a:t>
+            </a:r>
+            <a:r>
+              <a:rPr lang="pt-BR" sz="2800" dirty="0"/>
+              <a:t> </a:t>
+            </a:r>
+            <a:r>
+              <a:rPr lang="pt-BR" sz="2800" dirty="0" smtClean="0"/>
+              <a:t>é um grande sucesso para comunidade.</a:t>
+            </a:r>
+            <a:endParaRPr lang="pt-BR" sz="2800" dirty="0"/>
+          </a:p>
+          <a:p>
+            <a:pPr algn="just"/>
+            <a:endParaRPr lang="pt-BR" sz="2800" dirty="0" smtClean="0"/>
+          </a:p>
+          <a:p>
+            <a:pPr algn="just"/>
+            <a:endParaRPr lang="pt-BR" sz="2800" dirty="0" smtClean="0"/>
+          </a:p>
+          <a:p>
+            <a:pPr algn="just"/>
+            <a:endParaRPr lang="pt-BR" sz="2800" dirty="0" smtClean="0"/>
+          </a:p>
+          <a:p>
+            <a:pPr algn="just"/>
+            <a:endParaRPr lang="pt-BR" sz="2800" dirty="0"/>
+          </a:p>
+          <a:p>
+            <a:pPr algn="just"/>
+            <a:endParaRPr lang="pt-BR" sz="2800" dirty="0"/>
           </a:p>
         </p:txBody>
       </p:sp>
@@ -6177,8 +6250,8 @@
         </p:nvSpPr>
         <p:spPr>
           <a:xfrm>
-            <a:off x="648202" y="12169936"/>
-            <a:ext cx="15407447" cy="523220"/>
+            <a:off x="654566" y="24874533"/>
+            <a:ext cx="15407447" cy="11295400"/>
           </a:xfrm>
           <a:prstGeom prst="rect">
             <a:avLst/>
@@ -6193,9 +6266,96 @@
           <a:p>
             <a:pPr algn="just"/>
             <a:r>
-              <a:rPr lang="pt-BR" sz="2800" dirty="0"/>
-              <a:t>Coloque aqui os objetivos.</a:t>
-            </a:r>
+              <a:rPr lang="pt-BR" sz="2800" dirty="0" smtClean="0"/>
+              <a:t>O R Ladies Niterói tem como objetivo ensinar a linguagem R através de palestras, cursos e debates. Em cada capítulo, abordamos um pacote do R, no qual apresentamos aplicações do pacote. Com o crescimento do grupo, vimos a necessidade ampliar as áreas de atuação. Portanto, nossos novos objetivos são introduzir a linguagem em escolas públicas e vídeo aulas para o canal “Estatística é com R”.</a:t>
+            </a:r>
+          </a:p>
+          <a:p>
+            <a:pPr marL="457200" indent="-457200">
+              <a:buFont typeface="Arial" panose="020B0604020202020204" pitchFamily="34" charset="0"/>
+              <a:buChar char="•"/>
+            </a:pPr>
+            <a:endParaRPr lang="pt-BR" sz="2800" dirty="0"/>
+          </a:p>
+          <a:p>
+            <a:pPr algn="just"/>
+            <a:endParaRPr lang="pt-BR" sz="2800" dirty="0" smtClean="0"/>
+          </a:p>
+          <a:p>
+            <a:pPr algn="just"/>
+            <a:endParaRPr lang="pt-BR" sz="2800" dirty="0"/>
+          </a:p>
+          <a:p>
+            <a:pPr algn="just"/>
+            <a:endParaRPr lang="pt-BR" sz="2800" dirty="0" smtClean="0"/>
+          </a:p>
+          <a:p>
+            <a:pPr algn="just"/>
+            <a:endParaRPr lang="pt-BR" sz="2800" dirty="0"/>
+          </a:p>
+          <a:p>
+            <a:pPr algn="just"/>
+            <a:endParaRPr lang="pt-BR" sz="2800" dirty="0" smtClean="0"/>
+          </a:p>
+          <a:p>
+            <a:pPr algn="just"/>
+            <a:endParaRPr lang="pt-BR" sz="2800" dirty="0"/>
+          </a:p>
+          <a:p>
+            <a:pPr algn="just"/>
+            <a:endParaRPr lang="pt-BR" sz="2800" dirty="0" smtClean="0"/>
+          </a:p>
+          <a:p>
+            <a:pPr algn="just"/>
+            <a:endParaRPr lang="pt-BR" sz="2800" dirty="0"/>
+          </a:p>
+          <a:p>
+            <a:pPr algn="just"/>
+            <a:endParaRPr lang="pt-BR" sz="2800" dirty="0" smtClean="0"/>
+          </a:p>
+          <a:p>
+            <a:pPr algn="just"/>
+            <a:endParaRPr lang="pt-BR" sz="2800" dirty="0"/>
+          </a:p>
+          <a:p>
+            <a:pPr algn="just"/>
+            <a:endParaRPr lang="pt-BR" sz="2800" dirty="0" smtClean="0"/>
+          </a:p>
+          <a:p>
+            <a:pPr algn="just"/>
+            <a:endParaRPr lang="pt-BR" sz="2800" dirty="0"/>
+          </a:p>
+          <a:p>
+            <a:pPr algn="just"/>
+            <a:endParaRPr lang="pt-BR" sz="2800" dirty="0" smtClean="0"/>
+          </a:p>
+          <a:p>
+            <a:pPr algn="just"/>
+            <a:endParaRPr lang="pt-BR" sz="2800" dirty="0"/>
+          </a:p>
+          <a:p>
+            <a:pPr algn="just"/>
+            <a:endParaRPr lang="pt-BR" sz="2800" dirty="0" smtClean="0"/>
+          </a:p>
+          <a:p>
+            <a:pPr algn="just"/>
+            <a:endParaRPr lang="pt-BR" sz="2800" dirty="0"/>
+          </a:p>
+          <a:p>
+            <a:pPr algn="just"/>
+            <a:endParaRPr lang="pt-BR" sz="2800" dirty="0" smtClean="0"/>
+          </a:p>
+          <a:p>
+            <a:pPr algn="just"/>
+            <a:endParaRPr lang="pt-BR" sz="2800" dirty="0"/>
+          </a:p>
+          <a:p>
+            <a:pPr algn="just"/>
+            <a:r>
+              <a:rPr lang="pt-BR" sz="2800" dirty="0" smtClean="0"/>
+              <a:t> </a:t>
+            </a:r>
+            <a:endParaRPr lang="pt-BR" sz="2800" dirty="0"/>
           </a:p>
         </p:txBody>
       </p:sp>
@@ -6204,7 +6364,7 @@
           <p:cNvPr id="94" name="CaixaDeTexto 93">
             <a:extLst>
               <a:ext uri="{FF2B5EF4-FFF2-40B4-BE49-F238E27FC236}">
-                <a16:creationId xmlns:a16="http://schemas.microsoft.com/office/drawing/2014/main" xmlns="" id="{6F5B78AA-00E0-42EC-87DC-1E7B286C26E8}"/>
+                <a16:creationId xmlns="" xmlns:a16="http://schemas.microsoft.com/office/drawing/2014/main" id="{6F5B78AA-00E0-42EC-87DC-1E7B286C26E8}"/>
               </a:ext>
             </a:extLst>
           </p:cNvPr>
@@ -6213,8 +6373,8 @@
         </p:nvSpPr>
         <p:spPr>
           <a:xfrm>
-            <a:off x="684200" y="14741556"/>
-            <a:ext cx="15407447" cy="954107"/>
+            <a:off x="580887" y="29163882"/>
+            <a:ext cx="15407447" cy="16896933"/>
           </a:xfrm>
           <a:prstGeom prst="rect">
             <a:avLst/>
@@ -6229,12 +6389,153 @@
           <a:p>
             <a:pPr algn="just"/>
             <a:r>
+              <a:rPr lang="pt-BR" sz="2800" dirty="0" smtClean="0"/>
+              <a:t>O material elaborado para os capítulos são desenvolvidos pelas R Ladies Niterói após pesquisas e estudos sobre o assunto que irá ser apresentado. O processo ocorre em encontros semanais, em que elas se reúnem para debater, testar e avaliar os códigos. Depois o material é organizado em slides para que durante os capítulos o público possa acompanhar. Todo material é disponibilizado gratuitamente na plataforma Git Hub [3].</a:t>
+            </a:r>
+          </a:p>
+          <a:p>
+            <a:pPr algn="just"/>
+            <a:endParaRPr lang="pt-BR" sz="2800" dirty="0"/>
+          </a:p>
+          <a:p>
+            <a:pPr algn="just"/>
+            <a:r>
+              <a:rPr lang="pt-BR" sz="2800" dirty="0" smtClean="0"/>
+              <a:t>As palestras </a:t>
+            </a:r>
+          </a:p>
+          <a:p>
+            <a:pPr algn="just"/>
+            <a:endParaRPr lang="pt-BR" sz="2800" dirty="0"/>
+          </a:p>
+          <a:p>
+            <a:pPr algn="just"/>
+            <a:r>
+              <a:rPr lang="pt-BR" sz="2800" dirty="0" smtClean="0"/>
+              <a:t>Os cursos </a:t>
+            </a:r>
+          </a:p>
+          <a:p>
+            <a:pPr algn="just"/>
+            <a:endParaRPr lang="pt-BR" sz="2800" dirty="0"/>
+          </a:p>
+          <a:p>
+            <a:pPr algn="just"/>
+            <a:r>
+              <a:rPr lang="pt-BR" sz="2800" dirty="0" smtClean="0"/>
+              <a:t>Além disso, as R Ladies Niterói marca presença no Canal do YouTube “Estatística é com R” com vídeo aulas sobre assuntos que já foram ensinados. Assim, aqueles que não puderam participar terão acesso ao conteúdo. Uma das playlists do canal é voltado para o pacote R Commander</a:t>
+            </a:r>
+            <a:r>
               <a:rPr lang="pt-BR" sz="2800" dirty="0"/>
-              <a:t>Coloque aqui a seção de materiais e métodos. </a:t>
+              <a:t> [4</a:t>
+            </a:r>
+            <a:r>
+              <a:rPr lang="pt-BR" sz="2800" dirty="0" smtClean="0"/>
+              <a:t>], que foi o primeiro pacote ensinado por elas.</a:t>
             </a:r>
           </a:p>
           <a:p>
             <a:pPr algn="just"/>
+            <a:endParaRPr lang="pt-BR" sz="2800" dirty="0"/>
+          </a:p>
+          <a:p>
+            <a:pPr algn="just"/>
+            <a:r>
+              <a:rPr lang="pt-BR" sz="2800" dirty="0" smtClean="0"/>
+              <a:t>A metodologia de ensino é realizada através de palestras, cursos e vídeo aulas. É importante destacar que os capítulos são gratuitos, aberto ao público e informal. Portanto, todos podem aprender a linguagem R </a:t>
+            </a:r>
+            <a:endParaRPr lang="pt-BR" sz="2800" dirty="0"/>
+          </a:p>
+          <a:p>
+            <a:pPr algn="just"/>
+            <a:endParaRPr lang="pt-BR" sz="2800" dirty="0" smtClean="0"/>
+          </a:p>
+          <a:p>
+            <a:pPr algn="just"/>
+            <a:endParaRPr lang="pt-BR" sz="2800" dirty="0"/>
+          </a:p>
+          <a:p>
+            <a:pPr algn="just"/>
+            <a:endParaRPr lang="pt-BR" sz="2800" dirty="0" smtClean="0"/>
+          </a:p>
+          <a:p>
+            <a:pPr algn="just"/>
+            <a:endParaRPr lang="pt-BR" sz="2800" dirty="0"/>
+          </a:p>
+          <a:p>
+            <a:pPr algn="just"/>
+            <a:endParaRPr lang="pt-BR" sz="2800" dirty="0" smtClean="0"/>
+          </a:p>
+          <a:p>
+            <a:pPr algn="just"/>
+            <a:endParaRPr lang="pt-BR" sz="2800" dirty="0"/>
+          </a:p>
+          <a:p>
+            <a:pPr algn="just"/>
+            <a:endParaRPr lang="pt-BR" sz="2800" dirty="0" smtClean="0"/>
+          </a:p>
+          <a:p>
+            <a:pPr algn="just"/>
+            <a:endParaRPr lang="pt-BR" sz="2800" dirty="0"/>
+          </a:p>
+          <a:p>
+            <a:pPr algn="just"/>
+            <a:endParaRPr lang="pt-BR" sz="2800" dirty="0" smtClean="0"/>
+          </a:p>
+          <a:p>
+            <a:pPr algn="just"/>
+            <a:endParaRPr lang="pt-BR" sz="2800" dirty="0"/>
+          </a:p>
+          <a:p>
+            <a:pPr algn="just"/>
+            <a:endParaRPr lang="pt-BR" sz="2800" dirty="0" smtClean="0"/>
+          </a:p>
+          <a:p>
+            <a:pPr algn="just"/>
+            <a:endParaRPr lang="pt-BR" sz="2800" dirty="0"/>
+          </a:p>
+          <a:p>
+            <a:pPr algn="just"/>
+            <a:endParaRPr lang="pt-BR" sz="2800" dirty="0" smtClean="0"/>
+          </a:p>
+          <a:p>
+            <a:pPr algn="just"/>
+            <a:endParaRPr lang="pt-BR" sz="2800" dirty="0"/>
+          </a:p>
+          <a:p>
+            <a:pPr algn="just"/>
+            <a:endParaRPr lang="pt-BR" sz="2800" dirty="0" smtClean="0"/>
+          </a:p>
+          <a:p>
+            <a:pPr algn="just"/>
+            <a:endParaRPr lang="pt-BR" sz="2800" dirty="0"/>
+          </a:p>
+          <a:p>
+            <a:pPr algn="just"/>
+            <a:endParaRPr lang="pt-BR" sz="2800" dirty="0" smtClean="0"/>
+          </a:p>
+          <a:p>
+            <a:pPr algn="just"/>
+            <a:endParaRPr lang="pt-BR" sz="2800" dirty="0"/>
+          </a:p>
+          <a:p>
+            <a:pPr algn="just"/>
+            <a:endParaRPr lang="pt-BR" sz="2800" dirty="0" smtClean="0"/>
+          </a:p>
+          <a:p>
+            <a:pPr algn="just"/>
+            <a:endParaRPr lang="pt-BR" sz="2800" dirty="0"/>
+          </a:p>
+          <a:p>
+            <a:pPr algn="just"/>
+            <a:r>
+              <a:rPr lang="pt-BR" sz="2800" dirty="0" smtClean="0"/>
+              <a:t>https</a:t>
+            </a:r>
+            <a:r>
+              <a:rPr lang="pt-BR" sz="2800" dirty="0"/>
+              <a:t>://github.com/RLadiesniteroi</a:t>
+            </a:r>
             <a:endParaRPr lang="pt-BR" sz="2800" dirty="0"/>
           </a:p>
         </p:txBody>
@@ -6244,7 +6545,7 @@
           <p:cNvPr id="96" name="CaixaDeTexto 95">
             <a:extLst>
               <a:ext uri="{FF2B5EF4-FFF2-40B4-BE49-F238E27FC236}">
-                <a16:creationId xmlns:a16="http://schemas.microsoft.com/office/drawing/2014/main" xmlns="" id="{F3EE5278-AD20-4181-B0E6-591D54872085}"/>
+                <a16:creationId xmlns="" xmlns:a16="http://schemas.microsoft.com/office/drawing/2014/main" id="{F3EE5278-AD20-4181-B0E6-591D54872085}"/>
               </a:ext>
             </a:extLst>
           </p:cNvPr>
@@ -6253,8 +6554,8 @@
         </p:nvSpPr>
         <p:spPr>
           <a:xfrm>
-            <a:off x="16341332" y="12622384"/>
-            <a:ext cx="15407447" cy="1815882"/>
+            <a:off x="16717253" y="16507674"/>
+            <a:ext cx="15407447" cy="1384995"/>
           </a:xfrm>
           <a:prstGeom prst="rect">
             <a:avLst/>
@@ -6269,16 +6570,10 @@
           <a:p>
             <a:pPr algn="just"/>
             <a:r>
-              <a:rPr lang="pt-BR" sz="2800" dirty="0"/>
-              <a:t>Coloque aqui a seção de resultados.  </a:t>
-            </a:r>
-          </a:p>
-          <a:p>
-            <a:pPr algn="just"/>
-            <a:r>
-              <a:rPr lang="pt-BR" sz="2800" dirty="0"/>
-              <a:t>Fique a vontade para incluir tabelas, figuras e diagramas. Quanto mais ilustrado, mais bonito será o seu pôster. </a:t>
-            </a:r>
+              <a:rPr lang="pt-BR" sz="2800" dirty="0" smtClean="0"/>
+              <a:t>Em agosto de 2019, o R Ladies Niterói completou 1 ano e ao longo desde tempo teve grandes avanços. </a:t>
+            </a:r>
+            <a:endParaRPr lang="pt-BR" sz="2800" dirty="0"/>
           </a:p>
           <a:p>
             <a:pPr algn="just"/>
@@ -6291,7 +6586,7 @@
           <p:cNvPr id="100" name="CaixaDeTexto 99">
             <a:extLst>
               <a:ext uri="{FF2B5EF4-FFF2-40B4-BE49-F238E27FC236}">
-                <a16:creationId xmlns:a16="http://schemas.microsoft.com/office/drawing/2014/main" xmlns="" id="{43D9ACAA-5E90-4819-90FA-0AB1B0569A66}"/>
+                <a16:creationId xmlns="" xmlns:a16="http://schemas.microsoft.com/office/drawing/2014/main" id="{43D9ACAA-5E90-4819-90FA-0AB1B0569A66}"/>
               </a:ext>
             </a:extLst>
           </p:cNvPr>
@@ -6300,8 +6595,8 @@
         </p:nvSpPr>
         <p:spPr>
           <a:xfrm>
-            <a:off x="16449327" y="19009676"/>
-            <a:ext cx="15407447" cy="2246769"/>
+            <a:off x="16633826" y="33492134"/>
+            <a:ext cx="15574299" cy="5262979"/>
           </a:xfrm>
           <a:prstGeom prst="rect">
             <a:avLst/>
@@ -6314,44 +6609,155 @@
           </a:bodyPr>
           <a:lstStyle/>
           <a:p>
-            <a:pPr algn="just"/>
+            <a:r>
+              <a:rPr lang="en-US" sz="2800" dirty="0"/>
+              <a:t>[1] </a:t>
+            </a:r>
+            <a:r>
+              <a:rPr lang="en-US" sz="2800" dirty="0" smtClean="0"/>
+              <a:t>R Ladies Global. </a:t>
+            </a:r>
+            <a:r>
+              <a:rPr lang="en-US" sz="2800" i="1" dirty="0"/>
+              <a:t>R-Ladies Global: R-Ladies is a worldwide organization to promote gender diversity in the R community</a:t>
+            </a:r>
             <a:r>
               <a:rPr lang="pt-BR" sz="2800" dirty="0"/>
-              <a:t>Coloque as referencias do seu trabalho em forma de itens. </a:t>
-            </a:r>
-          </a:p>
-          <a:p>
-            <a:pPr marL="514350" indent="-514350" algn="just">
-              <a:buFont typeface="+mj-lt"/>
-              <a:buAutoNum type="arabicPeriod"/>
-            </a:pPr>
-            <a:r>
-              <a:rPr lang="pt-BR" sz="2800" dirty="0" err="1"/>
-              <a:t>Referecnia</a:t>
+              <a:t>.  Disponível em:  https://rladies.org/ </a:t>
+            </a:r>
+          </a:p>
+          <a:p>
+            <a:r>
+              <a:rPr lang="pt-BR" sz="2800" dirty="0" smtClean="0"/>
+              <a:t>[</a:t>
+            </a:r>
+            <a:r>
+              <a:rPr lang="pt-BR" sz="2800" dirty="0"/>
+              <a:t>2</a:t>
+            </a:r>
+            <a:r>
+              <a:rPr lang="pt-BR" sz="2800" dirty="0" smtClean="0"/>
+              <a:t>] </a:t>
+            </a:r>
+            <a:r>
+              <a:rPr lang="pt-BR" sz="2800" dirty="0"/>
+              <a:t>Meetup, </a:t>
+            </a:r>
+            <a:r>
+              <a:rPr lang="pt-BR" sz="2800" i="1" dirty="0"/>
+              <a:t>R-Ladies Niterói</a:t>
+            </a:r>
+            <a:r>
+              <a:rPr lang="pt-BR" sz="2800" dirty="0"/>
+              <a:t>. Disponível em: https://www.meetup.com/pt-BR/rladies-niteroi/ </a:t>
+            </a:r>
+            <a:endParaRPr lang="pt-BR" sz="2800" dirty="0" smtClean="0"/>
+          </a:p>
+          <a:p>
+            <a:r>
+              <a:rPr lang="pt-BR" sz="2800" dirty="0" smtClean="0"/>
+              <a:t>[3]</a:t>
             </a:r>
             <a:r>
               <a:rPr lang="pt-BR" sz="2800" dirty="0"/>
               <a:t> </a:t>
             </a:r>
-          </a:p>
-          <a:p>
-            <a:pPr marL="514350" indent="-514350" algn="just">
-              <a:buFont typeface="+mj-lt"/>
-              <a:buAutoNum type="arabicPeriod"/>
-            </a:pPr>
+            <a:r>
+              <a:rPr lang="pt-BR" sz="2800" dirty="0" smtClean="0"/>
+              <a:t>Git Hub, </a:t>
+            </a:r>
+            <a:r>
+              <a:rPr lang="pt-BR" sz="2800" i="1" dirty="0" smtClean="0"/>
+              <a:t>R Ladies Niterói</a:t>
+            </a:r>
+            <a:r>
+              <a:rPr lang="pt-BR" sz="2800" dirty="0" smtClean="0"/>
+              <a:t>. Disponível em:  </a:t>
+            </a:r>
             <a:r>
               <a:rPr lang="pt-BR" sz="2800" dirty="0"/>
-              <a:t>Outra referencia...</a:t>
-            </a:r>
-          </a:p>
-          <a:p>
-            <a:pPr marL="514350" indent="-514350" algn="just">
-              <a:buFont typeface="+mj-lt"/>
-              <a:buAutoNum type="arabicPeriod"/>
-            </a:pPr>
+              <a:t>https://github.com/RLadiesniteroi </a:t>
+            </a:r>
+            <a:endParaRPr lang="pt-BR" sz="2800" dirty="0" smtClean="0"/>
+          </a:p>
+          <a:p>
+            <a:r>
+              <a:rPr lang="pt-BR" sz="2800" dirty="0" smtClean="0"/>
+              <a:t>[4] YouTube, </a:t>
+            </a:r>
+            <a:r>
+              <a:rPr lang="pt-BR" sz="2800" i="1" dirty="0" smtClean="0"/>
+              <a:t>Estatística é com R</a:t>
+            </a:r>
+            <a:r>
+              <a:rPr lang="pt-BR" sz="2800" dirty="0" smtClean="0"/>
+              <a:t>. Disponível em: https</a:t>
+            </a:r>
             <a:r>
               <a:rPr lang="pt-BR" sz="2800" dirty="0"/>
-              <a:t>.... </a:t>
+              <a:t>://www.youtube.com/watch?v=CBR9sz4mYWM&amp;list=PL98wo5oPtTvLKKhx6g4oatlnjfEvyO1jl</a:t>
+            </a:r>
+            <a:endParaRPr lang="pt-BR" sz="2800" dirty="0"/>
+          </a:p>
+          <a:p>
+            <a:r>
+              <a:rPr lang="pt-BR" sz="2800" dirty="0" smtClean="0"/>
+              <a:t>[5] </a:t>
+            </a:r>
+            <a:r>
+              <a:rPr lang="pt-BR" sz="2800" i="1" dirty="0"/>
+              <a:t>IV Seminário Internacional de Estatística com R</a:t>
+            </a:r>
+            <a:r>
+              <a:rPr lang="pt-BR" sz="2800" dirty="0"/>
+              <a:t>. Disponível em:  https://ser2019.weebly.com</a:t>
+            </a:r>
+            <a:r>
+              <a:rPr lang="pt-BR" sz="2800" dirty="0" smtClean="0"/>
+              <a:t>/</a:t>
+            </a:r>
+            <a:endParaRPr lang="pt-BR" sz="2800" dirty="0"/>
+          </a:p>
+          <a:p>
+            <a:r>
+              <a:rPr lang="pt-BR" sz="2800" dirty="0" smtClean="0"/>
+              <a:t>[6] </a:t>
+            </a:r>
+            <a:r>
+              <a:rPr lang="pt-BR" sz="2800" i="1" dirty="0"/>
+              <a:t>Biblioteca Parque de Niterói</a:t>
+            </a:r>
+            <a:r>
+              <a:rPr lang="pt-BR" sz="2800" dirty="0"/>
+              <a:t>. Disponível em: &lt;https://www.facebook.com/bibliotecaniteroi</a:t>
+            </a:r>
+            <a:r>
+              <a:rPr lang="pt-BR" sz="2800" dirty="0" smtClean="0"/>
+              <a:t>/</a:t>
+            </a:r>
+            <a:endParaRPr lang="pt-BR" sz="2800" dirty="0"/>
+          </a:p>
+          <a:p>
+            <a:r>
+              <a:rPr lang="pt-BR" sz="2800" dirty="0" smtClean="0"/>
+              <a:t>[7] </a:t>
+            </a:r>
+            <a:r>
+              <a:rPr lang="pt-BR" sz="2800" i="1" dirty="0"/>
+              <a:t>Plataforma Urbana Digital de Niterói</a:t>
+            </a:r>
+            <a:r>
+              <a:rPr lang="pt-BR" sz="2800" dirty="0"/>
+              <a:t>. Disponível em:  https://plataformadigital.niteroi.br/ </a:t>
+            </a:r>
+          </a:p>
+          <a:p>
+            <a:endParaRPr lang="pt-BR" sz="2800" dirty="0"/>
+          </a:p>
+          <a:p>
+            <a:r>
+              <a:rPr lang="pt-BR" sz="2800" dirty="0"/>
+              <a:t> </a:t>
             </a:r>
           </a:p>
           <a:p>
@@ -6365,7 +6771,7 @@
           <p:cNvPr id="4" name="Imagem 3">
             <a:extLst>
               <a:ext uri="{FF2B5EF4-FFF2-40B4-BE49-F238E27FC236}">
-                <a16:creationId xmlns:a16="http://schemas.microsoft.com/office/drawing/2014/main" xmlns="" id="{807E360F-C929-402B-B7A3-2C4EE7ADAAF4}"/>
+                <a16:creationId xmlns="" xmlns:a16="http://schemas.microsoft.com/office/drawing/2014/main" id="{807E360F-C929-402B-B7A3-2C4EE7ADAAF4}"/>
               </a:ext>
             </a:extLst>
           </p:cNvPr>
@@ -6401,7 +6807,7 @@
           <p:cNvPr id="31" name="Tabela 30">
             <a:extLst>
               <a:ext uri="{FF2B5EF4-FFF2-40B4-BE49-F238E27FC236}">
-                <a16:creationId xmlns:a16="http://schemas.microsoft.com/office/drawing/2014/main" xmlns="" id="{D874E796-14DD-4CE2-95DA-D8D3440851ED}"/>
+                <a16:creationId xmlns="" xmlns:a16="http://schemas.microsoft.com/office/drawing/2014/main" id="{D874E796-14DD-4CE2-95DA-D8D3440851ED}"/>
               </a:ext>
             </a:extLst>
           </p:cNvPr>
@@ -6430,21 +6836,21 @@
                 <a:gridCol w="7199842">
                   <a:extLst>
                     <a:ext uri="{9D8B030D-6E8A-4147-A177-3AD203B41FA5}">
-                      <a16:colId xmlns:a16="http://schemas.microsoft.com/office/drawing/2014/main" xmlns="" val="2164787085"/>
+                      <a16:colId xmlns="" xmlns:a16="http://schemas.microsoft.com/office/drawing/2014/main" val="2164787085"/>
                     </a:ext>
                   </a:extLst>
                 </a:gridCol>
                 <a:gridCol w="7199842">
                   <a:extLst>
                     <a:ext uri="{9D8B030D-6E8A-4147-A177-3AD203B41FA5}">
-                      <a16:colId xmlns:a16="http://schemas.microsoft.com/office/drawing/2014/main" xmlns="" val="3251059139"/>
+                      <a16:colId xmlns="" xmlns:a16="http://schemas.microsoft.com/office/drawing/2014/main" val="3251059139"/>
                     </a:ext>
                   </a:extLst>
                 </a:gridCol>
                 <a:gridCol w="7199842">
                   <a:extLst>
                     <a:ext uri="{9D8B030D-6E8A-4147-A177-3AD203B41FA5}">
-                      <a16:colId xmlns:a16="http://schemas.microsoft.com/office/drawing/2014/main" xmlns="" val="3198460093"/>
+                      <a16:colId xmlns="" xmlns:a16="http://schemas.microsoft.com/office/drawing/2014/main" val="3198460093"/>
                     </a:ext>
                   </a:extLst>
                 </a:gridCol>
@@ -6551,7 +6957,7 @@
                 </a:tc>
                 <a:extLst>
                   <a:ext uri="{0D108BD9-81ED-4DB2-BD59-A6C34878D82A}">
-                    <a16:rowId xmlns:a16="http://schemas.microsoft.com/office/drawing/2014/main" xmlns="" val="3151100183"/>
+                    <a16:rowId xmlns="" xmlns:a16="http://schemas.microsoft.com/office/drawing/2014/main" val="3151100183"/>
                   </a:ext>
                 </a:extLst>
               </a:tr>
@@ -6633,7 +7039,7 @@
                 </a:tc>
                 <a:extLst>
                   <a:ext uri="{0D108BD9-81ED-4DB2-BD59-A6C34878D82A}">
-                    <a16:rowId xmlns:a16="http://schemas.microsoft.com/office/drawing/2014/main" xmlns="" val="3799652141"/>
+                    <a16:rowId xmlns="" xmlns:a16="http://schemas.microsoft.com/office/drawing/2014/main" val="3799652141"/>
                   </a:ext>
                 </a:extLst>
               </a:tr>
@@ -6646,7 +7052,7 @@
           <p:cNvPr id="6" name="CaixaDeTexto 5">
             <a:extLst>
               <a:ext uri="{FF2B5EF4-FFF2-40B4-BE49-F238E27FC236}">
-                <a16:creationId xmlns:a16="http://schemas.microsoft.com/office/drawing/2014/main" xmlns="" id="{43ADE29A-5D6A-4511-9AAA-352C65C66BBD}"/>
+                <a16:creationId xmlns="" xmlns:a16="http://schemas.microsoft.com/office/drawing/2014/main" id="{43ADE29A-5D6A-4511-9AAA-352C65C66BBD}"/>
               </a:ext>
             </a:extLst>
           </p:cNvPr>
@@ -6656,7 +7062,7 @@
         <p:spPr>
           <a:xfrm>
             <a:off x="13132343" y="5720294"/>
-            <a:ext cx="5918608" cy="523220"/>
+            <a:ext cx="6205032" cy="954107"/>
           </a:xfrm>
           <a:prstGeom prst="rect">
             <a:avLst/>
@@ -6671,7 +7077,18 @@
           <a:p>
             <a:r>
               <a:rPr lang="pt-BR" sz="2800" b="1" dirty="0" smtClean="0"/>
-              <a:t>Universidade Federal Fluminense</a:t>
+              <a:t>Coordenadora: Luciane Alcoforado</a:t>
+            </a:r>
+          </a:p>
+          <a:p>
+            <a:pPr algn="ctr"/>
+            <a:r>
+              <a:rPr lang="pt-BR" sz="2800" b="1" dirty="0" smtClean="0"/>
+              <a:t>Universidade </a:t>
+            </a:r>
+            <a:r>
+              <a:rPr lang="pt-BR" sz="2800" b="1" dirty="0" smtClean="0"/>
+              <a:t>Federal Fluminense</a:t>
             </a:r>
             <a:endParaRPr lang="pt-BR" sz="2800" b="1" dirty="0"/>
           </a:p>
@@ -6682,7 +7099,7 @@
           <p:cNvPr id="33" name="Rectangle 216">
             <a:extLst>
               <a:ext uri="{FF2B5EF4-FFF2-40B4-BE49-F238E27FC236}">
-                <a16:creationId xmlns:a16="http://schemas.microsoft.com/office/drawing/2014/main" xmlns="" id="{0557F275-716D-465B-B6F3-B0EA99E83F5A}"/>
+                <a16:creationId xmlns="" xmlns:a16="http://schemas.microsoft.com/office/drawing/2014/main" id="{0557F275-716D-465B-B6F3-B0EA99E83F5A}"/>
               </a:ext>
             </a:extLst>
           </p:cNvPr>
@@ -6693,34 +7110,31 @@
         </p:nvSpPr>
         <p:spPr bwMode="auto">
           <a:xfrm>
-            <a:off x="576205" y="11106735"/>
+            <a:off x="549118" y="23300408"/>
             <a:ext cx="15407447" cy="935966"/>
           </a:xfrm>
           <a:prstGeom prst="rect">
             <a:avLst/>
           </a:prstGeom>
-          <a:solidFill>
-            <a:srgbClr val="B0C6DE"/>
-          </a:solidFill>
-          <a:ln w="38100" cmpd="dbl">
-            <a:solidFill>
-              <a:schemeClr val="tx1"/>
-            </a:solidFill>
-            <a:miter lim="800000"/>
+          <a:ln>
             <a:headEnd/>
             <a:tailEnd/>
           </a:ln>
-          <a:effectLst>
-            <a:softEdge rad="0"/>
-          </a:effectLst>
-          <a:scene3d>
-            <a:camera prst="orthographicFront"/>
-            <a:lightRig rig="threePt" dir="t"/>
-          </a:scene3d>
-          <a:sp3d contourW="50800">
-            <a:bevelT/>
-          </a:sp3d>
-        </p:spPr>
+        </p:spPr>
+        <p:style>
+          <a:lnRef idx="1">
+            <a:schemeClr val="dk1"/>
+          </a:lnRef>
+          <a:fillRef idx="2">
+            <a:schemeClr val="dk1"/>
+          </a:fillRef>
+          <a:effectRef idx="1">
+            <a:schemeClr val="dk1"/>
+          </a:effectRef>
+          <a:fontRef idx="minor">
+            <a:schemeClr val="dk1"/>
+          </a:fontRef>
+        </p:style>
         <p:txBody>
           <a:bodyPr anchor="ctr"/>
           <a:lstStyle>
@@ -6857,7 +7271,7 @@
           <p:cNvPr id="35" name="Rectangle 216">
             <a:extLst>
               <a:ext uri="{FF2B5EF4-FFF2-40B4-BE49-F238E27FC236}">
-                <a16:creationId xmlns:a16="http://schemas.microsoft.com/office/drawing/2014/main" xmlns="" id="{ECF825E7-9167-4A71-92CB-45D7B2718FAB}"/>
+                <a16:creationId xmlns="" xmlns:a16="http://schemas.microsoft.com/office/drawing/2014/main" id="{ECF825E7-9167-4A71-92CB-45D7B2718FAB}"/>
               </a:ext>
             </a:extLst>
           </p:cNvPr>
@@ -6868,34 +7282,31 @@
         </p:nvSpPr>
         <p:spPr bwMode="auto">
           <a:xfrm>
-            <a:off x="573908" y="13751585"/>
+            <a:off x="648201" y="27693647"/>
             <a:ext cx="15407447" cy="935966"/>
           </a:xfrm>
           <a:prstGeom prst="rect">
             <a:avLst/>
           </a:prstGeom>
-          <a:solidFill>
-            <a:srgbClr val="B0C6DE"/>
-          </a:solidFill>
-          <a:ln w="38100" cmpd="dbl">
-            <a:solidFill>
-              <a:schemeClr val="tx1"/>
-            </a:solidFill>
-            <a:miter lim="800000"/>
+          <a:ln>
             <a:headEnd/>
             <a:tailEnd/>
           </a:ln>
-          <a:effectLst>
-            <a:softEdge rad="0"/>
-          </a:effectLst>
-          <a:scene3d>
-            <a:camera prst="orthographicFront"/>
-            <a:lightRig rig="threePt" dir="t"/>
-          </a:scene3d>
-          <a:sp3d contourW="50800">
-            <a:bevelT/>
-          </a:sp3d>
-        </p:spPr>
+        </p:spPr>
+        <p:style>
+          <a:lnRef idx="1">
+            <a:schemeClr val="dk1"/>
+          </a:lnRef>
+          <a:fillRef idx="2">
+            <a:schemeClr val="dk1"/>
+          </a:fillRef>
+          <a:effectRef idx="1">
+            <a:schemeClr val="dk1"/>
+          </a:effectRef>
+          <a:fontRef idx="minor">
+            <a:schemeClr val="dk1"/>
+          </a:fontRef>
+        </p:style>
         <p:txBody>
           <a:bodyPr anchor="ctr"/>
           <a:lstStyle>
@@ -7032,7 +7443,7 @@
           <p:cNvPr id="36" name="Rectangle 216">
             <a:extLst>
               <a:ext uri="{FF2B5EF4-FFF2-40B4-BE49-F238E27FC236}">
-                <a16:creationId xmlns:a16="http://schemas.microsoft.com/office/drawing/2014/main" xmlns="" id="{5A48CA5F-FD83-42EE-9487-3C6072D35993}"/>
+                <a16:creationId xmlns="" xmlns:a16="http://schemas.microsoft.com/office/drawing/2014/main" id="{5A48CA5F-FD83-42EE-9487-3C6072D35993}"/>
               </a:ext>
             </a:extLst>
           </p:cNvPr>
@@ -7043,34 +7454,31 @@
         </p:nvSpPr>
         <p:spPr bwMode="auto">
           <a:xfrm>
-            <a:off x="16345925" y="11375321"/>
+            <a:off x="16705206" y="15166436"/>
             <a:ext cx="15407447" cy="935966"/>
           </a:xfrm>
           <a:prstGeom prst="rect">
             <a:avLst/>
           </a:prstGeom>
-          <a:solidFill>
-            <a:srgbClr val="B0C6DE"/>
-          </a:solidFill>
-          <a:ln w="38100" cmpd="dbl">
-            <a:solidFill>
-              <a:schemeClr val="tx1"/>
-            </a:solidFill>
-            <a:miter lim="800000"/>
+          <a:ln>
             <a:headEnd/>
             <a:tailEnd/>
           </a:ln>
-          <a:effectLst>
-            <a:softEdge rad="0"/>
-          </a:effectLst>
-          <a:scene3d>
-            <a:camera prst="orthographicFront"/>
-            <a:lightRig rig="threePt" dir="t"/>
-          </a:scene3d>
-          <a:sp3d contourW="50800">
-            <a:bevelT/>
-          </a:sp3d>
-        </p:spPr>
+        </p:spPr>
+        <p:style>
+          <a:lnRef idx="1">
+            <a:schemeClr val="dk1"/>
+          </a:lnRef>
+          <a:fillRef idx="2">
+            <a:schemeClr val="dk1"/>
+          </a:fillRef>
+          <a:effectRef idx="1">
+            <a:schemeClr val="dk1"/>
+          </a:effectRef>
+          <a:fontRef idx="minor">
+            <a:schemeClr val="dk1"/>
+          </a:fontRef>
+        </p:style>
         <p:txBody>
           <a:bodyPr anchor="ctr"/>
           <a:lstStyle>
@@ -7207,7 +7615,7 @@
           <p:cNvPr id="37" name="Rectangle 216">
             <a:extLst>
               <a:ext uri="{FF2B5EF4-FFF2-40B4-BE49-F238E27FC236}">
-                <a16:creationId xmlns:a16="http://schemas.microsoft.com/office/drawing/2014/main" xmlns="" id="{B0A4FA91-3A73-46CB-92CE-37D77A17B922}"/>
+                <a16:creationId xmlns="" xmlns:a16="http://schemas.microsoft.com/office/drawing/2014/main" id="{B0A4FA91-3A73-46CB-92CE-37D77A17B922}"/>
               </a:ext>
             </a:extLst>
           </p:cNvPr>
@@ -7218,34 +7626,31 @@
         </p:nvSpPr>
         <p:spPr bwMode="auto">
           <a:xfrm>
-            <a:off x="16345925" y="17784033"/>
+            <a:off x="16705203" y="31968184"/>
             <a:ext cx="15407447" cy="935966"/>
           </a:xfrm>
           <a:prstGeom prst="rect">
             <a:avLst/>
           </a:prstGeom>
-          <a:solidFill>
-            <a:srgbClr val="B0C6DE"/>
-          </a:solidFill>
-          <a:ln w="38100" cmpd="dbl">
-            <a:solidFill>
-              <a:schemeClr val="tx1"/>
-            </a:solidFill>
-            <a:miter lim="800000"/>
+          <a:ln>
             <a:headEnd/>
             <a:tailEnd/>
           </a:ln>
-          <a:effectLst>
-            <a:softEdge rad="0"/>
-          </a:effectLst>
-          <a:scene3d>
-            <a:camera prst="orthographicFront"/>
-            <a:lightRig rig="threePt" dir="t"/>
-          </a:scene3d>
-          <a:sp3d contourW="50800">
-            <a:bevelT/>
-          </a:sp3d>
-        </p:spPr>
+        </p:spPr>
+        <p:style>
+          <a:lnRef idx="1">
+            <a:schemeClr val="dk1"/>
+          </a:lnRef>
+          <a:fillRef idx="2">
+            <a:schemeClr val="dk1"/>
+          </a:fillRef>
+          <a:effectRef idx="1">
+            <a:schemeClr val="dk1"/>
+          </a:effectRef>
+          <a:fontRef idx="minor">
+            <a:schemeClr val="dk1"/>
+          </a:fontRef>
+        </p:style>
         <p:txBody>
           <a:bodyPr anchor="ctr"/>
           <a:lstStyle>
@@ -7382,7 +7787,7 @@
           <p:cNvPr id="3" name="Imagem 2">
             <a:extLst>
               <a:ext uri="{FF2B5EF4-FFF2-40B4-BE49-F238E27FC236}">
-                <a16:creationId xmlns:a16="http://schemas.microsoft.com/office/drawing/2014/main" xmlns="" id="{6FD47868-0173-4D3B-BDA6-F78881F3A30D}"/>
+                <a16:creationId xmlns="" xmlns:a16="http://schemas.microsoft.com/office/drawing/2014/main" id="{6FD47868-0173-4D3B-BDA6-F78881F3A30D}"/>
               </a:ext>
             </a:extLst>
           </p:cNvPr>
@@ -7407,6 +7812,361 @@
           <a:xfrm>
             <a:off x="739505" y="1329099"/>
             <a:ext cx="5379019" cy="2341228"/>
+          </a:xfrm>
+          <a:prstGeom prst="rect">
+            <a:avLst/>
+          </a:prstGeom>
+        </p:spPr>
+      </p:pic>
+      <p:pic>
+        <p:nvPicPr>
+          <p:cNvPr id="5" name="Imagem 4"/>
+          <p:cNvPicPr>
+            <a:picLocks noChangeAspect="1"/>
+          </p:cNvPicPr>
+          <p:nvPr/>
+        </p:nvPicPr>
+        <p:blipFill rotWithShape="1">
+          <a:blip r:embed="rId5"/>
+          <a:srcRect l="8263" t="14922" r="9829" b="17157"/>
+          <a:stretch/>
+        </p:blipFill>
+        <p:spPr>
+          <a:xfrm>
+            <a:off x="16459277" y="23321759"/>
+            <a:ext cx="15151023" cy="7063653"/>
+          </a:xfrm>
+          <a:prstGeom prst="rect">
+            <a:avLst/>
+          </a:prstGeom>
+        </p:spPr>
+      </p:pic>
+      <p:pic>
+        <p:nvPicPr>
+          <p:cNvPr id="7" name="Imagem 6"/>
+          <p:cNvPicPr>
+            <a:picLocks noChangeAspect="1"/>
+          </p:cNvPicPr>
+          <p:nvPr/>
+        </p:nvPicPr>
+        <p:blipFill rotWithShape="1">
+          <a:blip r:embed="rId6"/>
+          <a:srcRect l="16794" t="43109" r="40528" b="27359"/>
+          <a:stretch/>
+        </p:blipFill>
+        <p:spPr>
+          <a:xfrm>
+            <a:off x="648202" y="16165441"/>
+            <a:ext cx="14975379" cy="5825901"/>
+          </a:xfrm>
+          <a:prstGeom prst="rect">
+            <a:avLst/>
+          </a:prstGeom>
+          <a:ln w="38100" cap="sq">
+            <a:solidFill>
+              <a:srgbClr val="000000"/>
+            </a:solidFill>
+            <a:prstDash val="solid"/>
+            <a:miter lim="800000"/>
+          </a:ln>
+          <a:effectLst>
+            <a:outerShdw blurRad="50800" dist="38100" dir="2700000" algn="tl" rotWithShape="0">
+              <a:srgbClr val="000000">
+                <a:alpha val="43000"/>
+              </a:srgbClr>
+            </a:outerShdw>
+          </a:effectLst>
+        </p:spPr>
+      </p:pic>
+      <p:sp>
+        <p:nvSpPr>
+          <p:cNvPr id="8" name="CaixaDeTexto 7"/>
+          <p:cNvSpPr txBox="1"/>
+          <p:nvPr/>
+        </p:nvSpPr>
+        <p:spPr>
+          <a:xfrm>
+            <a:off x="508298" y="22323068"/>
+            <a:ext cx="15042693" cy="492314"/>
+          </a:xfrm>
+          <a:prstGeom prst="rect">
+            <a:avLst/>
+          </a:prstGeom>
+          <a:noFill/>
+        </p:spPr>
+        <p:txBody>
+          <a:bodyPr wrap="square" rtlCol="0">
+            <a:spAutoFit/>
+          </a:bodyPr>
+          <a:lstStyle/>
+          <a:p>
+            <a:pPr algn="ctr"/>
+            <a:r>
+              <a:rPr lang="pt-BR" b="1" dirty="0" smtClean="0"/>
+              <a:t>Figura 1 – R Ladies Niterói 1º capítulo, agosto de 2018. </a:t>
+            </a:r>
+            <a:endParaRPr lang="pt-BR" b="1" dirty="0"/>
+          </a:p>
+        </p:txBody>
+      </p:sp>
+      <p:pic>
+        <p:nvPicPr>
+          <p:cNvPr id="11" name="Imagem 10"/>
+          <p:cNvPicPr>
+            <a:picLocks noChangeAspect="1"/>
+          </p:cNvPicPr>
+          <p:nvPr/>
+        </p:nvPicPr>
+        <p:blipFill rotWithShape="1">
+          <a:blip r:embed="rId7"/>
+          <a:srcRect l="5811" t="9272" r="154" b="32650"/>
+          <a:stretch/>
+        </p:blipFill>
+        <p:spPr>
+          <a:xfrm>
+            <a:off x="16705206" y="7552580"/>
+            <a:ext cx="14941385" cy="5188232"/>
+          </a:xfrm>
+          <a:prstGeom prst="rect">
+            <a:avLst/>
+          </a:prstGeom>
+        </p:spPr>
+      </p:pic>
+      <p:sp>
+        <p:nvSpPr>
+          <p:cNvPr id="12" name="CaixaDeTexto 11"/>
+          <p:cNvSpPr txBox="1"/>
+          <p:nvPr/>
+        </p:nvSpPr>
+        <p:spPr>
+          <a:xfrm>
+            <a:off x="17259466" y="13525658"/>
+            <a:ext cx="13623226" cy="492314"/>
+          </a:xfrm>
+          <a:prstGeom prst="rect">
+            <a:avLst/>
+          </a:prstGeom>
+          <a:noFill/>
+        </p:spPr>
+        <p:txBody>
+          <a:bodyPr wrap="square" rtlCol="0">
+            <a:spAutoFit/>
+          </a:bodyPr>
+          <a:lstStyle/>
+          <a:p>
+            <a:pPr algn="ctr"/>
+            <a:r>
+              <a:rPr lang="pt-BR" b="1" dirty="0" smtClean="0"/>
+              <a:t>Tabela 1 – Temas abordados pelas R Ladies Niterói</a:t>
+            </a:r>
+            <a:endParaRPr lang="pt-BR" b="1" dirty="0"/>
+          </a:p>
+        </p:txBody>
+      </p:sp>
+      <p:sp>
+        <p:nvSpPr>
+          <p:cNvPr id="13" name="CaixaDeTexto 12"/>
+          <p:cNvSpPr txBox="1"/>
+          <p:nvPr/>
+        </p:nvSpPr>
+        <p:spPr>
+          <a:xfrm>
+            <a:off x="16877516" y="30875046"/>
+            <a:ext cx="14387125" cy="492314"/>
+          </a:xfrm>
+          <a:prstGeom prst="rect">
+            <a:avLst/>
+          </a:prstGeom>
+          <a:noFill/>
+        </p:spPr>
+        <p:txBody>
+          <a:bodyPr wrap="square" rtlCol="0">
+            <a:spAutoFit/>
+          </a:bodyPr>
+          <a:lstStyle/>
+          <a:p>
+            <a:pPr algn="ctr"/>
+            <a:r>
+              <a:rPr lang="pt-BR" b="1" dirty="0" smtClean="0"/>
+              <a:t>Figura 2 – Distribuição das R Ladies pelo mundo</a:t>
+            </a:r>
+            <a:endParaRPr lang="pt-BR" b="1" dirty="0"/>
+          </a:p>
+        </p:txBody>
+      </p:sp>
+      <p:pic>
+        <p:nvPicPr>
+          <p:cNvPr id="14" name="Imagem 13"/>
+          <p:cNvPicPr>
+            <a:picLocks noChangeAspect="1"/>
+          </p:cNvPicPr>
+          <p:nvPr/>
+        </p:nvPicPr>
+        <p:blipFill>
+          <a:blip r:embed="rId8">
+            <a:extLst>
+              <a:ext uri="{28A0092B-C50C-407E-A947-70E740481C1C}">
+                <a14:useLocalDpi xmlns:a14="http://schemas.microsoft.com/office/drawing/2010/main" val="0"/>
+              </a:ext>
+            </a:extLst>
+          </a:blip>
+          <a:stretch>
+            <a:fillRect/>
+          </a:stretch>
+        </p:blipFill>
+        <p:spPr>
+          <a:xfrm>
+            <a:off x="1301162" y="38674448"/>
+            <a:ext cx="3240360" cy="3240360"/>
+          </a:xfrm>
+          <a:prstGeom prst="rect">
+            <a:avLst/>
+          </a:prstGeom>
+        </p:spPr>
+      </p:pic>
+      <p:pic>
+        <p:nvPicPr>
+          <p:cNvPr id="15" name="Imagem 14"/>
+          <p:cNvPicPr>
+            <a:picLocks noChangeAspect="1"/>
+          </p:cNvPicPr>
+          <p:nvPr/>
+        </p:nvPicPr>
+        <p:blipFill>
+          <a:blip r:embed="rId9">
+            <a:extLst>
+              <a:ext uri="{28A0092B-C50C-407E-A947-70E740481C1C}">
+                <a14:useLocalDpi xmlns:a14="http://schemas.microsoft.com/office/drawing/2010/main" val="0"/>
+              </a:ext>
+            </a:extLst>
+          </a:blip>
+          <a:stretch>
+            <a:fillRect/>
+          </a:stretch>
+        </p:blipFill>
+        <p:spPr>
+          <a:xfrm>
+            <a:off x="5030884" y="38674448"/>
+            <a:ext cx="5043573" cy="3258925"/>
+          </a:xfrm>
+          <a:prstGeom prst="rect">
+            <a:avLst/>
+          </a:prstGeom>
+        </p:spPr>
+      </p:pic>
+      <p:pic>
+        <p:nvPicPr>
+          <p:cNvPr id="16" name="Imagem 15"/>
+          <p:cNvPicPr>
+            <a:picLocks noChangeAspect="1"/>
+          </p:cNvPicPr>
+          <p:nvPr/>
+        </p:nvPicPr>
+        <p:blipFill>
+          <a:blip r:embed="rId10">
+            <a:extLst>
+              <a:ext uri="{28A0092B-C50C-407E-A947-70E740481C1C}">
+                <a14:useLocalDpi xmlns:a14="http://schemas.microsoft.com/office/drawing/2010/main" val="0"/>
+              </a:ext>
+            </a:extLst>
+          </a:blip>
+          <a:stretch>
+            <a:fillRect/>
+          </a:stretch>
+        </p:blipFill>
+        <p:spPr>
+          <a:xfrm>
+            <a:off x="10564375" y="38674448"/>
+            <a:ext cx="3237235" cy="3237235"/>
+          </a:xfrm>
+          <a:prstGeom prst="rect">
+            <a:avLst/>
+          </a:prstGeom>
+        </p:spPr>
+      </p:pic>
+      <p:pic>
+        <p:nvPicPr>
+          <p:cNvPr id="17" name="Imagem 16"/>
+          <p:cNvPicPr>
+            <a:picLocks noChangeAspect="1"/>
+          </p:cNvPicPr>
+          <p:nvPr/>
+        </p:nvPicPr>
+        <p:blipFill>
+          <a:blip r:embed="rId11" cstate="print">
+            <a:extLst>
+              <a:ext uri="{28A0092B-C50C-407E-A947-70E740481C1C}">
+                <a14:useLocalDpi xmlns:a14="http://schemas.microsoft.com/office/drawing/2010/main" val="0"/>
+              </a:ext>
+            </a:extLst>
+          </a:blip>
+          <a:stretch>
+            <a:fillRect/>
+          </a:stretch>
+        </p:blipFill>
+        <p:spPr>
+          <a:xfrm>
+            <a:off x="14532097" y="38716210"/>
+            <a:ext cx="3799678" cy="3376013"/>
+          </a:xfrm>
+          <a:prstGeom prst="rect">
+            <a:avLst/>
+          </a:prstGeom>
+        </p:spPr>
+      </p:pic>
+      <p:pic>
+        <p:nvPicPr>
+          <p:cNvPr id="20" name="Imagem 19"/>
+          <p:cNvPicPr>
+            <a:picLocks noChangeAspect="1"/>
+          </p:cNvPicPr>
+          <p:nvPr/>
+        </p:nvPicPr>
+        <p:blipFill>
+          <a:blip r:embed="rId12">
+            <a:extLst>
+              <a:ext uri="{28A0092B-C50C-407E-A947-70E740481C1C}">
+                <a14:useLocalDpi xmlns:a14="http://schemas.microsoft.com/office/drawing/2010/main" val="0"/>
+              </a:ext>
+            </a:extLst>
+          </a:blip>
+          <a:stretch>
+            <a:fillRect/>
+          </a:stretch>
+        </p:blipFill>
+        <p:spPr>
+          <a:xfrm>
+            <a:off x="19998468" y="38653280"/>
+            <a:ext cx="7000937" cy="3290441"/>
+          </a:xfrm>
+          <a:prstGeom prst="rect">
+            <a:avLst/>
+          </a:prstGeom>
+        </p:spPr>
+      </p:pic>
+      <p:pic>
+        <p:nvPicPr>
+          <p:cNvPr id="22" name="Imagem 21"/>
+          <p:cNvPicPr>
+            <a:picLocks noChangeAspect="1"/>
+          </p:cNvPicPr>
+          <p:nvPr/>
+        </p:nvPicPr>
+        <p:blipFill rotWithShape="1">
+          <a:blip r:embed="rId13">
+            <a:extLst>
+              <a:ext uri="{28A0092B-C50C-407E-A947-70E740481C1C}">
+                <a14:useLocalDpi xmlns:a14="http://schemas.microsoft.com/office/drawing/2010/main" val="0"/>
+              </a:ext>
+            </a:extLst>
+          </a:blip>
+          <a:srcRect l="13140" t="11193" r="13628" b="6864"/>
+          <a:stretch/>
+        </p:blipFill>
+        <p:spPr>
+          <a:xfrm>
+            <a:off x="27734371" y="38716210"/>
+            <a:ext cx="3862056" cy="3247637"/>
           </a:xfrm>
           <a:prstGeom prst="rect">
             <a:avLst/>

--- a/modelo_poster_11a_semest.pptx
+++ b/modelo_poster_11a_semest.pptx
@@ -5820,33 +5820,23 @@
           </a:lstStyle>
           <a:p>
             <a:r>
-              <a:rPr lang="pt-BR" sz="7599" dirty="0" smtClean="0">
+              <a:rPr lang="pt-BR" sz="7599" dirty="0">
                 <a:solidFill>
                   <a:schemeClr val="tx1"/>
                 </a:solidFill>
               </a:rPr>
               <a:t>R Ladies Niterói:</a:t>
             </a:r>
-            <a:endParaRPr lang="pt-BR" sz="7599" dirty="0">
-              <a:solidFill>
-                <a:schemeClr val="tx1"/>
-              </a:solidFill>
-            </a:endParaRPr>
-          </a:p>
-          <a:p>
-            <a:r>
-              <a:rPr lang="pt-BR" sz="7599" dirty="0" smtClean="0">
+          </a:p>
+          <a:p>
+            <a:r>
+              <a:rPr lang="pt-BR" sz="7599" dirty="0">
                 <a:solidFill>
                   <a:schemeClr val="tx1"/>
                 </a:solidFill>
               </a:rPr>
               <a:t>Ensino da Linguagem R</a:t>
             </a:r>
-            <a:endParaRPr lang="pt-BR" sz="7599" dirty="0">
-              <a:solidFill>
-                <a:schemeClr val="tx1"/>
-              </a:solidFill>
-            </a:endParaRPr>
           </a:p>
         </p:txBody>
       </p:sp>
@@ -5986,6 +5976,9 @@
           <a:prstGeom prst="rect">
             <a:avLst/>
           </a:prstGeom>
+          <a:solidFill>
+            <a:srgbClr val="B40085"/>
+          </a:solidFill>
           <a:ln>
             <a:headEnd/>
             <a:tailEnd/>
@@ -6109,7 +6102,7 @@
             <a:r>
               <a:rPr lang="pt-BR" altLang="pt-BR" sz="3400" b="1" dirty="0">
                 <a:solidFill>
-                  <a:schemeClr val="tx1"/>
+                  <a:schemeClr val="bg1"/>
                 </a:solidFill>
                 <a:effectLst>
                   <a:outerShdw blurRad="38100" dist="38100" dir="2700000" algn="tl">
@@ -6123,7 +6116,7 @@
             </a:r>
             <a:endParaRPr lang="pt-BR" altLang="pt-BR" sz="3400" b="1" i="1" dirty="0">
               <a:solidFill>
-                <a:schemeClr val="tx1"/>
+                <a:schemeClr val="bg1"/>
               </a:solidFill>
               <a:effectLst>
                 <a:outerShdw blurRad="38100" dist="38100" dir="2700000" algn="tl">
@@ -6145,7 +6138,7 @@
         <p:spPr>
           <a:xfrm>
             <a:off x="580888" y="8888026"/>
-            <a:ext cx="15407447" cy="8710077"/>
+            <a:ext cx="15407447" cy="8279190"/>
           </a:xfrm>
           <a:prstGeom prst="rect">
             <a:avLst/>
@@ -6161,26 +6154,18 @@
             <a:pPr algn="just"/>
             <a:r>
               <a:rPr lang="pt-BR" sz="2800" dirty="0"/>
-              <a:t>O R Ladies é uma organização mundial cuja missão é promover a diversidade de gênero na comunidade da linguagem </a:t>
-            </a:r>
-            <a:r>
-              <a:rPr lang="pt-BR" sz="2800" dirty="0" smtClean="0"/>
-              <a:t>R [1]. No dia 01 de outubro de 2012, a brasileira Gabriela de Queiroz fundou o R Ladies na cidade de São Francisco, Califórnia (EUA).  O objetivo era repassar seus conhecimentos da linguagem de forma simples, informal e gratuita para todos. Os encontros são conhecidos como capítulos e neles são abordados temas e pacotes do R através de palestras e/ou cursos. </a:t>
+              <a:t>O R Ladies é uma organização mundial cuja missão é promover a diversidade de gênero na comunidade da linguagem R [1]. No dia 1º de outubro de 2012, a brasileira Gabriela de Queiroz fundou o R Ladies na cidade de São Francisco, Califórnia (EUA).  O objetivo era repassar seus conhecimentos da linguagem de forma simples, informal e gratuita para todos. Os encontros são conhecidos como capítulos e eles são abordados temas e pacotes do R.</a:t>
             </a:r>
           </a:p>
           <a:p>
             <a:pPr algn="just"/>
-            <a:endParaRPr lang="pt-BR" sz="2800" dirty="0" smtClean="0"/>
+            <a:endParaRPr lang="pt-BR" sz="2800" dirty="0"/>
           </a:p>
           <a:p>
             <a:pPr algn="just"/>
             <a:r>
               <a:rPr lang="pt-BR" sz="2800" dirty="0"/>
-              <a:t>O R Ladies Niterói foi fundado pela Professora Doutora Luciane Alcoforado com a colaboração da doutoranda Noelle Camello, das alunas Julia Hellen Ferreira e Maciela Rodrigues</a:t>
-            </a:r>
-            <a:r>
-              <a:rPr lang="pt-BR" sz="2800" dirty="0" smtClean="0"/>
-              <a:t>. Em agosto de 2018, aconteceu o 1º capítulo na Universidade Federal Fluminense. A programação abordou os seguintes temas : </a:t>
+              <a:t>O R Ladies Niterói foi fundado pela Professora Doutora Luciane Alcoforado com a colaboração da doutoranda Noelle Camello, das alunas Julia Hellen Ferreira e Maciela Rodrigues. Em agosto de 2018, aconteceu o 1º capítulo na Universidade Federal Fluminense. A programação abordou os seguintes temas : </a:t>
             </a:r>
             <a:r>
               <a:rPr lang="pt-BR" sz="2800" b="1" dirty="0"/>
@@ -6196,41 +6181,36 @@
             </a:r>
             <a:r>
               <a:rPr lang="pt-BR" sz="2800" dirty="0"/>
-              <a:t> pelas alunas da graduação em estatística da UFF, Julia Hellen Ferreira e Maciela </a:t>
-            </a:r>
-            <a:r>
-              <a:rPr lang="pt-BR" sz="2800" dirty="0" smtClean="0"/>
-              <a:t>Rodrigues. Foi encerrado com uma apresentação da Luciane Alcoforado sobre </a:t>
-            </a:r>
-            <a:r>
-              <a:rPr lang="pt-BR" sz="2800" b="1" dirty="0" smtClean="0"/>
+              <a:t> pelas alunas da graduação em estatística da UFF, Julia Hellen Ferreira e Maciela Rodrigues. Foi encerrado com uma apresentação da Luciane Alcoforado sobre </a:t>
+            </a:r>
+            <a:r>
+              <a:rPr lang="pt-BR" sz="2800" b="1" dirty="0"/>
               <a:t>“O Projeto Estatística é com R</a:t>
             </a:r>
             <a:r>
-              <a:rPr lang="pt-BR" sz="2800" dirty="0" smtClean="0"/>
-              <a:t>”.  Segundo o site MeetUp [2], o capítulo teve 126 inscritos que </a:t>
-            </a:r>
-            <a:r>
               <a:rPr lang="pt-BR" sz="2800" dirty="0"/>
-              <a:t> </a:t>
-            </a:r>
-            <a:r>
-              <a:rPr lang="pt-BR" sz="2800" dirty="0" smtClean="0"/>
-              <a:t>é um grande sucesso para comunidade.</a:t>
-            </a:r>
+              <a:t>”.  Segundo o site </a:t>
+            </a:r>
+            <a:r>
+              <a:rPr lang="pt-BR" sz="2800" dirty="0" err="1"/>
+              <a:t>Meetup</a:t>
+            </a:r>
+            <a:r>
+              <a:rPr lang="pt-BR" sz="2800" dirty="0"/>
+              <a:t> [2], o capítulo teve 126 inscritos que  é um grande sucesso para comunidade.</a:t>
+            </a:r>
+          </a:p>
+          <a:p>
+            <a:pPr algn="just"/>
             <a:endParaRPr lang="pt-BR" sz="2800" dirty="0"/>
           </a:p>
           <a:p>
             <a:pPr algn="just"/>
-            <a:endParaRPr lang="pt-BR" sz="2800" dirty="0" smtClean="0"/>
+            <a:endParaRPr lang="pt-BR" sz="2800" dirty="0"/>
           </a:p>
           <a:p>
             <a:pPr algn="just"/>
-            <a:endParaRPr lang="pt-BR" sz="2800" dirty="0" smtClean="0"/>
-          </a:p>
-          <a:p>
-            <a:pPr algn="just"/>
-            <a:endParaRPr lang="pt-BR" sz="2800" dirty="0" smtClean="0"/>
+            <a:endParaRPr lang="pt-BR" sz="2800" dirty="0"/>
           </a:p>
           <a:p>
             <a:pPr algn="just"/>
@@ -6250,7 +6230,7 @@
         </p:nvSpPr>
         <p:spPr>
           <a:xfrm>
-            <a:off x="654566" y="24874533"/>
+            <a:off x="648201" y="24514780"/>
             <a:ext cx="15407447" cy="11295400"/>
           </a:xfrm>
           <a:prstGeom prst="rect">
@@ -6266,8 +6246,8 @@
           <a:p>
             <a:pPr algn="just"/>
             <a:r>
-              <a:rPr lang="pt-BR" sz="2800" dirty="0" smtClean="0"/>
-              <a:t>O R Ladies Niterói tem como objetivo ensinar a linguagem R através de palestras, cursos e debates. Em cada capítulo, abordamos um pacote do R, no qual apresentamos aplicações do pacote. Com o crescimento do grupo, vimos a necessidade ampliar as áreas de atuação. Portanto, nossos novos objetivos são introduzir a linguagem em escolas públicas e vídeo aulas para o canal “Estatística é com R”.</a:t>
+              <a:rPr lang="pt-BR" sz="2800" dirty="0"/>
+              <a:t>O R Ladies Niterói tem como objetivo ensinar a linguagem R através de palestras, cursos e debates. Em cada capítulo, abordamos um pacote do R, no qual apresentamos aplicações do pacote. Com o crescimento do grupo, vimos a necessidade de ampliar as áreas de atuação. Portanto, nossos novos objetivos são introduzir a linguagem em escolas públicas e vídeo aulas para o canal “Estatística é com R”.</a:t>
             </a:r>
           </a:p>
           <a:p>
@@ -6279,7 +6259,7 @@
           </a:p>
           <a:p>
             <a:pPr algn="just"/>
-            <a:endParaRPr lang="pt-BR" sz="2800" dirty="0" smtClean="0"/>
+            <a:endParaRPr lang="pt-BR" sz="2800" dirty="0"/>
           </a:p>
           <a:p>
             <a:pPr algn="just"/>
@@ -6287,7 +6267,7 @@
           </a:p>
           <a:p>
             <a:pPr algn="just"/>
-            <a:endParaRPr lang="pt-BR" sz="2800" dirty="0" smtClean="0"/>
+            <a:endParaRPr lang="pt-BR" sz="2800" dirty="0"/>
           </a:p>
           <a:p>
             <a:pPr algn="just"/>
@@ -6295,7 +6275,7 @@
           </a:p>
           <a:p>
             <a:pPr algn="just"/>
-            <a:endParaRPr lang="pt-BR" sz="2800" dirty="0" smtClean="0"/>
+            <a:endParaRPr lang="pt-BR" sz="2800" dirty="0"/>
           </a:p>
           <a:p>
             <a:pPr algn="just"/>
@@ -6303,7 +6283,7 @@
           </a:p>
           <a:p>
             <a:pPr algn="just"/>
-            <a:endParaRPr lang="pt-BR" sz="2800" dirty="0" smtClean="0"/>
+            <a:endParaRPr lang="pt-BR" sz="2800" dirty="0"/>
           </a:p>
           <a:p>
             <a:pPr algn="just"/>
@@ -6311,7 +6291,7 @@
           </a:p>
           <a:p>
             <a:pPr algn="just"/>
-            <a:endParaRPr lang="pt-BR" sz="2800" dirty="0" smtClean="0"/>
+            <a:endParaRPr lang="pt-BR" sz="2800" dirty="0"/>
           </a:p>
           <a:p>
             <a:pPr algn="just"/>
@@ -6319,7 +6299,7 @@
           </a:p>
           <a:p>
             <a:pPr algn="just"/>
-            <a:endParaRPr lang="pt-BR" sz="2800" dirty="0" smtClean="0"/>
+            <a:endParaRPr lang="pt-BR" sz="2800" dirty="0"/>
           </a:p>
           <a:p>
             <a:pPr algn="just"/>
@@ -6327,7 +6307,7 @@
           </a:p>
           <a:p>
             <a:pPr algn="just"/>
-            <a:endParaRPr lang="pt-BR" sz="2800" dirty="0" smtClean="0"/>
+            <a:endParaRPr lang="pt-BR" sz="2800" dirty="0"/>
           </a:p>
           <a:p>
             <a:pPr algn="just"/>
@@ -6335,7 +6315,7 @@
           </a:p>
           <a:p>
             <a:pPr algn="just"/>
-            <a:endParaRPr lang="pt-BR" sz="2800" dirty="0" smtClean="0"/>
+            <a:endParaRPr lang="pt-BR" sz="2800" dirty="0"/>
           </a:p>
           <a:p>
             <a:pPr algn="just"/>
@@ -6343,7 +6323,7 @@
           </a:p>
           <a:p>
             <a:pPr algn="just"/>
-            <a:endParaRPr lang="pt-BR" sz="2800" dirty="0" smtClean="0"/>
+            <a:endParaRPr lang="pt-BR" sz="2800" dirty="0"/>
           </a:p>
           <a:p>
             <a:pPr algn="just"/>
@@ -6352,10 +6332,9 @@
           <a:p>
             <a:pPr algn="just"/>
             <a:r>
-              <a:rPr lang="pt-BR" sz="2800" dirty="0" smtClean="0"/>
+              <a:rPr lang="pt-BR" sz="2800" dirty="0"/>
               <a:t> </a:t>
             </a:r>
-            <a:endParaRPr lang="pt-BR" sz="2800" dirty="0"/>
           </a:p>
         </p:txBody>
       </p:sp>
@@ -6364,7 +6343,7 @@
           <p:cNvPr id="94" name="CaixaDeTexto 93">
             <a:extLst>
               <a:ext uri="{FF2B5EF4-FFF2-40B4-BE49-F238E27FC236}">
-                <a16:creationId xmlns="" xmlns:a16="http://schemas.microsoft.com/office/drawing/2014/main" id="{6F5B78AA-00E0-42EC-87DC-1E7B286C26E8}"/>
+                <a16:creationId xmlns:a16="http://schemas.microsoft.com/office/drawing/2014/main" id="{6F5B78AA-00E0-42EC-87DC-1E7B286C26E8}"/>
               </a:ext>
             </a:extLst>
           </p:cNvPr>
@@ -6373,8 +6352,8 @@
         </p:nvSpPr>
         <p:spPr>
           <a:xfrm>
-            <a:off x="580887" y="29163882"/>
-            <a:ext cx="15407447" cy="16896933"/>
+            <a:off x="580887" y="28225055"/>
+            <a:ext cx="15407447" cy="19051369"/>
           </a:xfrm>
           <a:prstGeom prst="rect">
             <a:avLst/>
@@ -6389,8 +6368,8 @@
           <a:p>
             <a:pPr algn="just"/>
             <a:r>
-              <a:rPr lang="pt-BR" sz="2800" dirty="0" smtClean="0"/>
-              <a:t>O material elaborado para os capítulos são desenvolvidos pelas R Ladies Niterói após pesquisas e estudos sobre o assunto que irá ser apresentado. O processo ocorre em encontros semanais, em que elas se reúnem para debater, testar e avaliar os códigos. Depois o material é organizado em slides para que durante os capítulos o público possa acompanhar. Todo material é disponibilizado gratuitamente na plataforma Git Hub [3].</a:t>
+              <a:rPr lang="pt-BR" sz="2800" dirty="0"/>
+              <a:t>O material elaborado para os capítulos são desenvolvidos pelas R Ladies Niterói, após pesquisas e estudos sobre o assunto que irá ser apresentado. O processo ocorre em encontros semanais, em que elas se reúnem para debater, testar e avaliar os códigos. Depois o material é organizado em slides para que durante os capítulos o público possa acompanhar. Todo material é disponibilizado gratuitamente na plataforma Git Hub [3].</a:t>
             </a:r>
           </a:p>
           <a:p>
@@ -6400,8 +6379,8 @@
           <a:p>
             <a:pPr algn="just"/>
             <a:r>
-              <a:rPr lang="pt-BR" sz="2800" dirty="0" smtClean="0"/>
-              <a:t>As palestras </a:t>
+              <a:rPr lang="pt-BR" sz="2800" dirty="0"/>
+              <a:t>As palestras duram em média uma hora e são realizadas na Universidade Federal Fluminense ou em locais parceiros. As palestrantes mostram funcionalidades do R e como podemos usar no nosso dia a dia. No final o público pode tirar dúvidas, dar opiniões sobre o tema e sugerir novos conteúdos para os próximos capítulos.</a:t>
             </a:r>
           </a:p>
           <a:p>
@@ -6411,8 +6390,8 @@
           <a:p>
             <a:pPr algn="just"/>
             <a:r>
-              <a:rPr lang="pt-BR" sz="2800" dirty="0" smtClean="0"/>
-              <a:t>Os cursos </a:t>
+              <a:rPr lang="pt-BR" sz="2800" dirty="0"/>
+              <a:t>Os cursos são oferecidos ao longo do semestre. Com a limitação de computadores, incentivamos que os alunos levem os seus para acompanhar. Todos aqueles que participam recebem certificados do curso.</a:t>
             </a:r>
           </a:p>
           <a:p>
@@ -6422,16 +6401,8 @@
           <a:p>
             <a:pPr algn="just"/>
             <a:r>
-              <a:rPr lang="pt-BR" sz="2800" dirty="0" smtClean="0"/>
-              <a:t>Além disso, as R Ladies Niterói marca presença no Canal do YouTube “Estatística é com R” com vídeo aulas sobre assuntos que já foram ensinados. Assim, aqueles que não puderam participar terão acesso ao conteúdo. Uma das playlists do canal é voltado para o pacote R Commander</a:t>
-            </a:r>
-            <a:r>
               <a:rPr lang="pt-BR" sz="2800" dirty="0"/>
-              <a:t> [4</a:t>
-            </a:r>
-            <a:r>
-              <a:rPr lang="pt-BR" sz="2800" dirty="0" smtClean="0"/>
-              <a:t>], que foi o primeiro pacote ensinado por elas.</a:t>
+              <a:t>Além disso, as R Ladies Niterói marca presença no Canal do YouTube “Estatística é com R” com vídeo aulas sobre assuntos que já foram ensinados em alguns encontros. Assim, aqueles que não puderam participar terão acesso ao conteúdo. Uma das playlists do canal é voltado para o pacote R Commander [4], que foi o primeiro pacote ensinado por elas.</a:t>
             </a:r>
           </a:p>
           <a:p>
@@ -6441,14 +6412,9 @@
           <a:p>
             <a:pPr algn="just"/>
             <a:r>
-              <a:rPr lang="pt-BR" sz="2800" dirty="0" smtClean="0"/>
-              <a:t>A metodologia de ensino é realizada através de palestras, cursos e vídeo aulas. É importante destacar que os capítulos são gratuitos, aberto ao público e informal. Portanto, todos podem aprender a linguagem R </a:t>
-            </a:r>
-            <a:endParaRPr lang="pt-BR" sz="2800" dirty="0"/>
-          </a:p>
-          <a:p>
-            <a:pPr algn="just"/>
-            <a:endParaRPr lang="pt-BR" sz="2800" dirty="0" smtClean="0"/>
+              <a:rPr lang="pt-BR" sz="2800" dirty="0"/>
+              <a:t>A metodologia de ensino é realizada através de palestras, cursos e vídeo aulas. É importante destacar que os capítulos são gratuitos, aberto ao público e informal. Portanto, todos podem aprender a linguagem R.</a:t>
+            </a:r>
           </a:p>
           <a:p>
             <a:pPr algn="just"/>
@@ -6456,7 +6422,7 @@
           </a:p>
           <a:p>
             <a:pPr algn="just"/>
-            <a:endParaRPr lang="pt-BR" sz="2800" dirty="0" smtClean="0"/>
+            <a:endParaRPr lang="pt-BR" sz="2800" dirty="0"/>
           </a:p>
           <a:p>
             <a:pPr algn="just"/>
@@ -6464,7 +6430,7 @@
           </a:p>
           <a:p>
             <a:pPr algn="just"/>
-            <a:endParaRPr lang="pt-BR" sz="2800" dirty="0" smtClean="0"/>
+            <a:endParaRPr lang="pt-BR" sz="2800" dirty="0"/>
           </a:p>
           <a:p>
             <a:pPr algn="just"/>
@@ -6472,7 +6438,7 @@
           </a:p>
           <a:p>
             <a:pPr algn="just"/>
-            <a:endParaRPr lang="pt-BR" sz="2800" dirty="0" smtClean="0"/>
+            <a:endParaRPr lang="pt-BR" sz="2800" dirty="0"/>
           </a:p>
           <a:p>
             <a:pPr algn="just"/>
@@ -6480,7 +6446,7 @@
           </a:p>
           <a:p>
             <a:pPr algn="just"/>
-            <a:endParaRPr lang="pt-BR" sz="2800" dirty="0" smtClean="0"/>
+            <a:endParaRPr lang="pt-BR" sz="2800" dirty="0"/>
           </a:p>
           <a:p>
             <a:pPr algn="just"/>
@@ -6488,7 +6454,7 @@
           </a:p>
           <a:p>
             <a:pPr algn="just"/>
-            <a:endParaRPr lang="pt-BR" sz="2800" dirty="0" smtClean="0"/>
+            <a:endParaRPr lang="pt-BR" sz="2800" dirty="0"/>
           </a:p>
           <a:p>
             <a:pPr algn="just"/>
@@ -6496,7 +6462,7 @@
           </a:p>
           <a:p>
             <a:pPr algn="just"/>
-            <a:endParaRPr lang="pt-BR" sz="2800" dirty="0" smtClean="0"/>
+            <a:endParaRPr lang="pt-BR" sz="2800" dirty="0"/>
           </a:p>
           <a:p>
             <a:pPr algn="just"/>
@@ -6504,7 +6470,7 @@
           </a:p>
           <a:p>
             <a:pPr algn="just"/>
-            <a:endParaRPr lang="pt-BR" sz="2800" dirty="0" smtClean="0"/>
+            <a:endParaRPr lang="pt-BR" sz="2800" dirty="0"/>
           </a:p>
           <a:p>
             <a:pPr algn="just"/>
@@ -6512,7 +6478,7 @@
           </a:p>
           <a:p>
             <a:pPr algn="just"/>
-            <a:endParaRPr lang="pt-BR" sz="2800" dirty="0" smtClean="0"/>
+            <a:endParaRPr lang="pt-BR" sz="2800" dirty="0"/>
           </a:p>
           <a:p>
             <a:pPr algn="just"/>
@@ -6520,7 +6486,7 @@
           </a:p>
           <a:p>
             <a:pPr algn="just"/>
-            <a:endParaRPr lang="pt-BR" sz="2800" dirty="0" smtClean="0"/>
+            <a:endParaRPr lang="pt-BR" sz="2800" dirty="0"/>
           </a:p>
           <a:p>
             <a:pPr algn="just"/>
@@ -6528,15 +6494,14 @@
           </a:p>
           <a:p>
             <a:pPr algn="just"/>
-            <a:r>
-              <a:rPr lang="pt-BR" sz="2800" dirty="0" smtClean="0"/>
-              <a:t>https</a:t>
-            </a:r>
+            <a:endParaRPr lang="pt-BR" sz="2800" dirty="0"/>
+          </a:p>
+          <a:p>
+            <a:pPr algn="just"/>
             <a:r>
               <a:rPr lang="pt-BR" sz="2800" dirty="0"/>
-              <a:t>://github.com/RLadiesniteroi</a:t>
-            </a:r>
-            <a:endParaRPr lang="pt-BR" sz="2800" dirty="0"/>
+              <a:t>https://github.com/RLadiesniteroi</a:t>
+            </a:r>
           </a:p>
         </p:txBody>
       </p:sp>
@@ -6545,7 +6510,7 @@
           <p:cNvPr id="96" name="CaixaDeTexto 95">
             <a:extLst>
               <a:ext uri="{FF2B5EF4-FFF2-40B4-BE49-F238E27FC236}">
-                <a16:creationId xmlns="" xmlns:a16="http://schemas.microsoft.com/office/drawing/2014/main" id="{F3EE5278-AD20-4181-B0E6-591D54872085}"/>
+                <a16:creationId xmlns:a16="http://schemas.microsoft.com/office/drawing/2014/main" id="{F3EE5278-AD20-4181-B0E6-591D54872085}"/>
               </a:ext>
             </a:extLst>
           </p:cNvPr>
@@ -6555,7 +6520,7 @@
         <p:spPr>
           <a:xfrm>
             <a:off x="16717253" y="16507674"/>
-            <a:ext cx="15407447" cy="1384995"/>
+            <a:ext cx="15407447" cy="7848302"/>
           </a:xfrm>
           <a:prstGeom prst="rect">
             <a:avLst/>
@@ -6570,9 +6535,62 @@
           <a:p>
             <a:pPr algn="just"/>
             <a:r>
-              <a:rPr lang="pt-BR" sz="2800" dirty="0" smtClean="0"/>
-              <a:t>Em agosto de 2019, o R Ladies Niterói completou 1 ano e ao longo desde tempo teve grandes avanços. </a:t>
-            </a:r>
+              <a:rPr lang="pt-BR" sz="2800" dirty="0"/>
+              <a:t>Em agosto de 2019, o R Ladies Niterói completou 1 ano e ao longo deste tempo tivemos grandes avanços. Podemos destacar </a:t>
+            </a:r>
+            <a:r>
+              <a:rPr lang="pt-BR" sz="2800"/>
+              <a:t>entre eles, </a:t>
+            </a:r>
+            <a:r>
+              <a:rPr lang="pt-BR" sz="2800" dirty="0"/>
+              <a:t>a participação no Seminário Internacional de Estatística com R (SER), no qual as R Ladies São Paulo apresentaram o tema “Comunicando seus resultados: criando apresentações com R”.</a:t>
+            </a:r>
+          </a:p>
+          <a:p>
+            <a:pPr algn="just"/>
+            <a:r>
+              <a:rPr lang="pt-BR" sz="2800" dirty="0"/>
+              <a:t> A Pró - Reitoria de Extensão, no mês de Julho de 2019, aprovou o R Ladies Niterói como projeto de extensão e disponibilizou uma bolsa estudantil. </a:t>
+            </a:r>
+          </a:p>
+          <a:p>
+            <a:pPr algn="just"/>
+            <a:r>
+              <a:rPr lang="pt-BR" sz="2800" dirty="0"/>
+              <a:t>No mês de setembro, a Biblioteca Parque de Niterói fechou parceira com as R Ladies. Foi ofertado uma palestra com o título “Analisando as Bilheterias Mundiais do Cinema” e um minicurso de “Introdução a Linguagem R” com as R Ladies Niterói. </a:t>
+            </a:r>
+          </a:p>
+          <a:p>
+            <a:pPr algn="just"/>
+            <a:r>
+              <a:rPr lang="pt-BR" sz="2800" dirty="0"/>
+              <a:t>No momento, a elaboração de um curso de R Básico que será realizado na Plataforma Urbana Digital da Engenhoca (Niterói).</a:t>
+            </a:r>
+          </a:p>
+          <a:p>
+            <a:pPr marL="457200" indent="-457200" algn="just">
+              <a:buFont typeface="Arial" panose="020B0604020202020204" pitchFamily="34" charset="0"/>
+              <a:buChar char="•"/>
+            </a:pPr>
+            <a:endParaRPr lang="pt-BR" sz="2800" dirty="0"/>
+          </a:p>
+          <a:p>
+            <a:pPr algn="just"/>
+            <a:r>
+              <a:rPr lang="pt-BR" sz="2800" dirty="0"/>
+              <a:t>A organização R Ladies, a cada dia vem se expandindo pelo mundo. Atualmente, o R ladies possui 51.539 membros que são organizados em 165 grupos em 45 países. O R Ladies Niterói possui 423 membros e tem 6 co-organizadoras.</a:t>
+            </a:r>
+          </a:p>
+          <a:p>
+            <a:pPr marL="457200" indent="-457200" algn="just">
+              <a:buFont typeface="Arial" panose="020B0604020202020204" pitchFamily="34" charset="0"/>
+              <a:buChar char="•"/>
+            </a:pPr>
+            <a:endParaRPr lang="pt-BR" sz="2800" dirty="0"/>
+          </a:p>
+          <a:p>
+            <a:pPr algn="just"/>
             <a:endParaRPr lang="pt-BR" sz="2800" dirty="0"/>
           </a:p>
           <a:p>
@@ -6586,7 +6604,7 @@
           <p:cNvPr id="100" name="CaixaDeTexto 99">
             <a:extLst>
               <a:ext uri="{FF2B5EF4-FFF2-40B4-BE49-F238E27FC236}">
-                <a16:creationId xmlns="" xmlns:a16="http://schemas.microsoft.com/office/drawing/2014/main" id="{43D9ACAA-5E90-4819-90FA-0AB1B0569A66}"/>
+                <a16:creationId xmlns:a16="http://schemas.microsoft.com/office/drawing/2014/main" id="{43D9ACAA-5E90-4819-90FA-0AB1B0569A66}"/>
               </a:ext>
             </a:extLst>
           </p:cNvPr>
@@ -6595,7 +6613,7 @@
         </p:nvSpPr>
         <p:spPr>
           <a:xfrm>
-            <a:off x="16633826" y="33492134"/>
+            <a:off x="16705203" y="33390301"/>
             <a:ext cx="15574299" cy="5262979"/>
           </a:xfrm>
           <a:prstGeom prst="rect">
@@ -6611,11 +6629,7 @@
           <a:p>
             <a:r>
               <a:rPr lang="en-US" sz="2800" dirty="0"/>
-              <a:t>[1] </a:t>
-            </a:r>
-            <a:r>
-              <a:rPr lang="en-US" sz="2800" dirty="0" smtClean="0"/>
-              <a:t>R Ladies Global. </a:t>
+              <a:t>[1] R Ladies Global. </a:t>
             </a:r>
             <a:r>
               <a:rPr lang="en-US" sz="2800" i="1" dirty="0"/>
@@ -6628,20 +6642,8 @@
           </a:p>
           <a:p>
             <a:r>
-              <a:rPr lang="pt-BR" sz="2800" dirty="0" smtClean="0"/>
-              <a:t>[</a:t>
-            </a:r>
-            <a:r>
               <a:rPr lang="pt-BR" sz="2800" dirty="0"/>
-              <a:t>2</a:t>
-            </a:r>
-            <a:r>
-              <a:rPr lang="pt-BR" sz="2800" dirty="0" smtClean="0"/>
-              <a:t>] </a:t>
-            </a:r>
-            <a:r>
-              <a:rPr lang="pt-BR" sz="2800" dirty="0"/>
-              <a:t>Meetup, </a:t>
+              <a:t>[2] Meetup, </a:t>
             </a:r>
             <a:r>
               <a:rPr lang="pt-BR" sz="2800" i="1" dirty="0"/>
@@ -6651,57 +6653,38 @@
               <a:rPr lang="pt-BR" sz="2800" dirty="0"/>
               <a:t>. Disponível em: https://www.meetup.com/pt-BR/rladies-niteroi/ </a:t>
             </a:r>
-            <a:endParaRPr lang="pt-BR" sz="2800" dirty="0" smtClean="0"/>
-          </a:p>
-          <a:p>
-            <a:r>
-              <a:rPr lang="pt-BR" sz="2800" dirty="0" smtClean="0"/>
-              <a:t>[3]</a:t>
-            </a:r>
+          </a:p>
+          <a:p>
             <a:r>
               <a:rPr lang="pt-BR" sz="2800" dirty="0"/>
-              <a:t> </a:t>
-            </a:r>
-            <a:r>
-              <a:rPr lang="pt-BR" sz="2800" dirty="0" smtClean="0"/>
-              <a:t>Git Hub, </a:t>
-            </a:r>
-            <a:r>
-              <a:rPr lang="pt-BR" sz="2800" i="1" dirty="0" smtClean="0"/>
+              <a:t>[3] Git Hub, </a:t>
+            </a:r>
+            <a:r>
+              <a:rPr lang="pt-BR" sz="2800" i="1" dirty="0"/>
               <a:t>R Ladies Niterói</a:t>
             </a:r>
             <a:r>
-              <a:rPr lang="pt-BR" sz="2800" dirty="0" smtClean="0"/>
-              <a:t>. Disponível em:  </a:t>
-            </a:r>
-            <a:r>
               <a:rPr lang="pt-BR" sz="2800" dirty="0"/>
-              <a:t>https://github.com/RLadiesniteroi </a:t>
-            </a:r>
-            <a:endParaRPr lang="pt-BR" sz="2800" dirty="0" smtClean="0"/>
-          </a:p>
-          <a:p>
-            <a:r>
-              <a:rPr lang="pt-BR" sz="2800" dirty="0" smtClean="0"/>
+              <a:t>. Disponível em:  https://github.com/RLadiesniteroi </a:t>
+            </a:r>
+          </a:p>
+          <a:p>
+            <a:r>
+              <a:rPr lang="pt-BR" sz="2800" dirty="0"/>
               <a:t>[4] YouTube, </a:t>
             </a:r>
             <a:r>
-              <a:rPr lang="pt-BR" sz="2800" i="1" dirty="0" smtClean="0"/>
+              <a:rPr lang="pt-BR" sz="2800" i="1" dirty="0"/>
               <a:t>Estatística é com R</a:t>
             </a:r>
             <a:r>
-              <a:rPr lang="pt-BR" sz="2800" dirty="0" smtClean="0"/>
-              <a:t>. Disponível em: https</a:t>
-            </a:r>
-            <a:r>
               <a:rPr lang="pt-BR" sz="2800" dirty="0"/>
-              <a:t>://www.youtube.com/watch?v=CBR9sz4mYWM&amp;list=PL98wo5oPtTvLKKhx6g4oatlnjfEvyO1jl</a:t>
-            </a:r>
-            <a:endParaRPr lang="pt-BR" sz="2800" dirty="0"/>
-          </a:p>
-          <a:p>
-            <a:r>
-              <a:rPr lang="pt-BR" sz="2800" dirty="0" smtClean="0"/>
+              <a:t>. Disponível em: https://www.youtube.com/watch?v=CBR9sz4mYWM&amp;list=PL98wo5oPtTvLKKhx6g4oatlnjfEvyO1jl</a:t>
+            </a:r>
+          </a:p>
+          <a:p>
+            <a:r>
+              <a:rPr lang="pt-BR" sz="2800" dirty="0"/>
               <a:t>[5] </a:t>
             </a:r>
             <a:r>
@@ -6710,17 +6693,12 @@
             </a:r>
             <a:r>
               <a:rPr lang="pt-BR" sz="2800" dirty="0"/>
-              <a:t>. Disponível em:  https://ser2019.weebly.com</a:t>
-            </a:r>
-            <a:r>
-              <a:rPr lang="pt-BR" sz="2800" dirty="0" smtClean="0"/>
-              <a:t>/</a:t>
-            </a:r>
-            <a:endParaRPr lang="pt-BR" sz="2800" dirty="0"/>
-          </a:p>
-          <a:p>
-            <a:r>
-              <a:rPr lang="pt-BR" sz="2800" dirty="0" smtClean="0"/>
+              <a:t>. Disponível em:  https://ser2019.weebly.com/</a:t>
+            </a:r>
+          </a:p>
+          <a:p>
+            <a:r>
+              <a:rPr lang="pt-BR" sz="2800" dirty="0"/>
               <a:t>[6] </a:t>
             </a:r>
             <a:r>
@@ -6729,17 +6707,12 @@
             </a:r>
             <a:r>
               <a:rPr lang="pt-BR" sz="2800" dirty="0"/>
-              <a:t>. Disponível em: &lt;https://www.facebook.com/bibliotecaniteroi</a:t>
-            </a:r>
-            <a:r>
-              <a:rPr lang="pt-BR" sz="2800" dirty="0" smtClean="0"/>
-              <a:t>/</a:t>
-            </a:r>
-            <a:endParaRPr lang="pt-BR" sz="2800" dirty="0"/>
-          </a:p>
-          <a:p>
-            <a:r>
-              <a:rPr lang="pt-BR" sz="2800" dirty="0" smtClean="0"/>
+              <a:t>. Disponível em: &lt;https://www.facebook.com/bibliotecaniteroi/</a:t>
+            </a:r>
+          </a:p>
+          <a:p>
+            <a:r>
+              <a:rPr lang="pt-BR" sz="2800" dirty="0"/>
               <a:t>[7] </a:t>
             </a:r>
             <a:r>
@@ -6771,7 +6744,7 @@
           <p:cNvPr id="4" name="Imagem 3">
             <a:extLst>
               <a:ext uri="{FF2B5EF4-FFF2-40B4-BE49-F238E27FC236}">
-                <a16:creationId xmlns="" xmlns:a16="http://schemas.microsoft.com/office/drawing/2014/main" id="{807E360F-C929-402B-B7A3-2C4EE7ADAAF4}"/>
+                <a16:creationId xmlns:a16="http://schemas.microsoft.com/office/drawing/2014/main" id="{807E360F-C929-402B-B7A3-2C4EE7ADAAF4}"/>
               </a:ext>
             </a:extLst>
           </p:cNvPr>
@@ -6807,7 +6780,7 @@
           <p:cNvPr id="31" name="Tabela 30">
             <a:extLst>
               <a:ext uri="{FF2B5EF4-FFF2-40B4-BE49-F238E27FC236}">
-                <a16:creationId xmlns="" xmlns:a16="http://schemas.microsoft.com/office/drawing/2014/main" id="{D874E796-14DD-4CE2-95DA-D8D3440851ED}"/>
+                <a16:creationId xmlns:a16="http://schemas.microsoft.com/office/drawing/2014/main" id="{D874E796-14DD-4CE2-95DA-D8D3440851ED}"/>
               </a:ext>
             </a:extLst>
           </p:cNvPr>
@@ -6836,21 +6809,21 @@
                 <a:gridCol w="7199842">
                   <a:extLst>
                     <a:ext uri="{9D8B030D-6E8A-4147-A177-3AD203B41FA5}">
-                      <a16:colId xmlns="" xmlns:a16="http://schemas.microsoft.com/office/drawing/2014/main" val="2164787085"/>
+                      <a16:colId xmlns:a16="http://schemas.microsoft.com/office/drawing/2014/main" val="2164787085"/>
                     </a:ext>
                   </a:extLst>
                 </a:gridCol>
                 <a:gridCol w="7199842">
                   <a:extLst>
                     <a:ext uri="{9D8B030D-6E8A-4147-A177-3AD203B41FA5}">
-                      <a16:colId xmlns="" xmlns:a16="http://schemas.microsoft.com/office/drawing/2014/main" val="3251059139"/>
+                      <a16:colId xmlns:a16="http://schemas.microsoft.com/office/drawing/2014/main" val="3251059139"/>
                     </a:ext>
                   </a:extLst>
                 </a:gridCol>
                 <a:gridCol w="7199842">
                   <a:extLst>
                     <a:ext uri="{9D8B030D-6E8A-4147-A177-3AD203B41FA5}">
-                      <a16:colId xmlns="" xmlns:a16="http://schemas.microsoft.com/office/drawing/2014/main" val="3198460093"/>
+                      <a16:colId xmlns:a16="http://schemas.microsoft.com/office/drawing/2014/main" val="3198460093"/>
                     </a:ext>
                   </a:extLst>
                 </a:gridCol>
@@ -6863,7 +6836,7 @@
                     <a:p>
                       <a:pPr algn="ctr"/>
                       <a:r>
-                        <a:rPr lang="pt-BR" sz="3200" dirty="0" smtClean="0">
+                        <a:rPr lang="pt-BR" sz="3200" dirty="0">
                           <a:solidFill>
                             <a:schemeClr val="tx1"/>
                           </a:solidFill>
@@ -6871,7 +6844,7 @@
                         <a:t>Julia</a:t>
                       </a:r>
                       <a:r>
-                        <a:rPr lang="pt-BR" sz="3200" baseline="0" dirty="0" smtClean="0">
+                        <a:rPr lang="pt-BR" sz="3200" baseline="0" dirty="0">
                           <a:solidFill>
                             <a:schemeClr val="tx1"/>
                           </a:solidFill>
@@ -6896,7 +6869,7 @@
                     <a:p>
                       <a:pPr algn="ctr"/>
                       <a:r>
-                        <a:rPr lang="pt-BR" sz="3200" dirty="0" smtClean="0">
+                        <a:rPr lang="pt-BR" sz="3200" dirty="0">
                           <a:solidFill>
                             <a:schemeClr val="tx1"/>
                           </a:solidFill>
@@ -6904,7 +6877,7 @@
                         <a:t>Juliany</a:t>
                       </a:r>
                       <a:r>
-                        <a:rPr lang="pt-BR" sz="3200" baseline="0" dirty="0" smtClean="0">
+                        <a:rPr lang="pt-BR" sz="3200" baseline="0" dirty="0">
                           <a:solidFill>
                             <a:schemeClr val="tx1"/>
                           </a:solidFill>
@@ -6929,7 +6902,7 @@
                     <a:p>
                       <a:pPr algn="ctr"/>
                       <a:r>
-                        <a:rPr lang="pt-BR" sz="3200" dirty="0" smtClean="0">
+                        <a:rPr lang="pt-BR" sz="3200" dirty="0">
                           <a:solidFill>
                             <a:schemeClr val="tx1"/>
                           </a:solidFill>
@@ -6937,7 +6910,7 @@
                         <a:t>Luíza</a:t>
                       </a:r>
                       <a:r>
-                        <a:rPr lang="pt-BR" sz="3200" baseline="0" dirty="0" smtClean="0">
+                        <a:rPr lang="pt-BR" sz="3200" baseline="0" dirty="0">
                           <a:solidFill>
                             <a:schemeClr val="tx1"/>
                           </a:solidFill>
@@ -6957,7 +6930,7 @@
                 </a:tc>
                 <a:extLst>
                   <a:ext uri="{0D108BD9-81ED-4DB2-BD59-A6C34878D82A}">
-                    <a16:rowId xmlns="" xmlns:a16="http://schemas.microsoft.com/office/drawing/2014/main" val="3151100183"/>
+                    <a16:rowId xmlns:a16="http://schemas.microsoft.com/office/drawing/2014/main" val="3151100183"/>
                   </a:ext>
                 </a:extLst>
               </a:tr>
@@ -6969,18 +6942,13 @@
                     <a:p>
                       <a:pPr algn="ctr"/>
                       <a:r>
-                        <a:rPr lang="pt-BR" sz="2800" dirty="0" smtClean="0">
+                        <a:rPr lang="pt-BR" sz="2800" dirty="0">
                           <a:solidFill>
                             <a:schemeClr val="tx1"/>
                           </a:solidFill>
                         </a:rPr>
                         <a:t>juliaferreira@id.uff.br</a:t>
                       </a:r>
-                      <a:endParaRPr lang="pt-BR" sz="2800" dirty="0">
-                        <a:solidFill>
-                          <a:schemeClr val="tx1"/>
-                        </a:solidFill>
-                      </a:endParaRPr>
                     </a:p>
                   </a:txBody>
                   <a:tcPr>
@@ -6994,18 +6962,13 @@
                     <a:p>
                       <a:pPr algn="ctr"/>
                       <a:r>
-                        <a:rPr lang="pt-BR" sz="2800" dirty="0" smtClean="0">
+                        <a:rPr lang="pt-BR" sz="2800" dirty="0">
                           <a:solidFill>
                             <a:schemeClr val="tx1"/>
                           </a:solidFill>
                         </a:rPr>
                         <a:t>julianymoura@id.uff.br</a:t>
                       </a:r>
-                      <a:endParaRPr lang="pt-BR" sz="2800" dirty="0">
-                        <a:solidFill>
-                          <a:schemeClr val="tx1"/>
-                        </a:solidFill>
-                      </a:endParaRPr>
                     </a:p>
                   </a:txBody>
                   <a:tcPr>
@@ -7019,18 +6982,13 @@
                     <a:p>
                       <a:pPr algn="ctr"/>
                       <a:r>
-                        <a:rPr lang="pt-BR" sz="2800" dirty="0" smtClean="0">
+                        <a:rPr lang="pt-BR" sz="2800" dirty="0">
                           <a:solidFill>
                             <a:schemeClr val="tx1"/>
                           </a:solidFill>
                         </a:rPr>
                         <a:t>luizaomp@id.uff.br</a:t>
                       </a:r>
-                      <a:endParaRPr lang="pt-BR" sz="2800" dirty="0">
-                        <a:solidFill>
-                          <a:schemeClr val="tx1"/>
-                        </a:solidFill>
-                      </a:endParaRPr>
                     </a:p>
                   </a:txBody>
                   <a:tcPr>
@@ -7039,7 +6997,7 @@
                 </a:tc>
                 <a:extLst>
                   <a:ext uri="{0D108BD9-81ED-4DB2-BD59-A6C34878D82A}">
-                    <a16:rowId xmlns="" xmlns:a16="http://schemas.microsoft.com/office/drawing/2014/main" val="3799652141"/>
+                    <a16:rowId xmlns:a16="http://schemas.microsoft.com/office/drawing/2014/main" val="3799652141"/>
                   </a:ext>
                 </a:extLst>
               </a:tr>
@@ -7052,7 +7010,7 @@
           <p:cNvPr id="6" name="CaixaDeTexto 5">
             <a:extLst>
               <a:ext uri="{FF2B5EF4-FFF2-40B4-BE49-F238E27FC236}">
-                <a16:creationId xmlns="" xmlns:a16="http://schemas.microsoft.com/office/drawing/2014/main" id="{43ADE29A-5D6A-4511-9AAA-352C65C66BBD}"/>
+                <a16:creationId xmlns:a16="http://schemas.microsoft.com/office/drawing/2014/main" id="{43ADE29A-5D6A-4511-9AAA-352C65C66BBD}"/>
               </a:ext>
             </a:extLst>
           </p:cNvPr>
@@ -7076,21 +7034,16 @@
           <a:lstStyle/>
           <a:p>
             <a:r>
-              <a:rPr lang="pt-BR" sz="2800" b="1" dirty="0" smtClean="0"/>
+              <a:rPr lang="pt-BR" sz="2800" b="1" dirty="0"/>
               <a:t>Coordenadora: Luciane Alcoforado</a:t>
             </a:r>
           </a:p>
           <a:p>
             <a:pPr algn="ctr"/>
             <a:r>
-              <a:rPr lang="pt-BR" sz="2800" b="1" dirty="0" smtClean="0"/>
-              <a:t>Universidade </a:t>
-            </a:r>
-            <a:r>
-              <a:rPr lang="pt-BR" sz="2800" b="1" dirty="0" smtClean="0"/>
-              <a:t>Federal Fluminense</a:t>
-            </a:r>
-            <a:endParaRPr lang="pt-BR" sz="2800" b="1" dirty="0"/>
+              <a:rPr lang="pt-BR" sz="2800" b="1" dirty="0"/>
+              <a:t>Universidade Federal Fluminense</a:t>
+            </a:r>
           </a:p>
         </p:txBody>
       </p:sp>
@@ -7099,7 +7052,7 @@
           <p:cNvPr id="33" name="Rectangle 216">
             <a:extLst>
               <a:ext uri="{FF2B5EF4-FFF2-40B4-BE49-F238E27FC236}">
-                <a16:creationId xmlns="" xmlns:a16="http://schemas.microsoft.com/office/drawing/2014/main" id="{0557F275-716D-465B-B6F3-B0EA99E83F5A}"/>
+                <a16:creationId xmlns:a16="http://schemas.microsoft.com/office/drawing/2014/main" id="{0557F275-716D-465B-B6F3-B0EA99E83F5A}"/>
               </a:ext>
             </a:extLst>
           </p:cNvPr>
@@ -7110,12 +7063,15 @@
         </p:nvSpPr>
         <p:spPr bwMode="auto">
           <a:xfrm>
-            <a:off x="549118" y="23300408"/>
+            <a:off x="594213" y="23114527"/>
             <a:ext cx="15407447" cy="935966"/>
           </a:xfrm>
           <a:prstGeom prst="rect">
             <a:avLst/>
           </a:prstGeom>
+          <a:solidFill>
+            <a:srgbClr val="B40085"/>
+          </a:solidFill>
           <a:ln>
             <a:headEnd/>
             <a:tailEnd/>
@@ -7239,7 +7195,7 @@
             <a:r>
               <a:rPr lang="pt-BR" altLang="pt-BR" sz="3400" b="1" dirty="0">
                 <a:solidFill>
-                  <a:schemeClr val="tx1"/>
+                  <a:schemeClr val="bg1"/>
                 </a:solidFill>
                 <a:effectLst>
                   <a:outerShdw blurRad="38100" dist="38100" dir="2700000" algn="tl">
@@ -7253,7 +7209,7 @@
             </a:r>
             <a:endParaRPr lang="pt-BR" altLang="pt-BR" sz="3400" b="1" i="1" dirty="0">
               <a:solidFill>
-                <a:schemeClr val="tx1"/>
+                <a:schemeClr val="bg1"/>
               </a:solidFill>
               <a:effectLst>
                 <a:outerShdw blurRad="38100" dist="38100" dir="2700000" algn="tl">
@@ -7271,7 +7227,7 @@
           <p:cNvPr id="35" name="Rectangle 216">
             <a:extLst>
               <a:ext uri="{FF2B5EF4-FFF2-40B4-BE49-F238E27FC236}">
-                <a16:creationId xmlns="" xmlns:a16="http://schemas.microsoft.com/office/drawing/2014/main" id="{ECF825E7-9167-4A71-92CB-45D7B2718FAB}"/>
+                <a16:creationId xmlns:a16="http://schemas.microsoft.com/office/drawing/2014/main" id="{ECF825E7-9167-4A71-92CB-45D7B2718FAB}"/>
               </a:ext>
             </a:extLst>
           </p:cNvPr>
@@ -7282,12 +7238,15 @@
         </p:nvSpPr>
         <p:spPr bwMode="auto">
           <a:xfrm>
-            <a:off x="648201" y="27693647"/>
+            <a:off x="648201" y="26951809"/>
             <a:ext cx="15407447" cy="935966"/>
           </a:xfrm>
           <a:prstGeom prst="rect">
             <a:avLst/>
           </a:prstGeom>
+          <a:solidFill>
+            <a:srgbClr val="B40085"/>
+          </a:solidFill>
           <a:ln>
             <a:headEnd/>
             <a:tailEnd/>
@@ -7411,7 +7370,7 @@
             <a:r>
               <a:rPr lang="pt-BR" altLang="pt-BR" sz="3400" b="1" dirty="0">
                 <a:solidFill>
-                  <a:schemeClr val="tx1"/>
+                  <a:schemeClr val="bg1"/>
                 </a:solidFill>
                 <a:effectLst>
                   <a:outerShdw blurRad="38100" dist="38100" dir="2700000" algn="tl">
@@ -7425,7 +7384,7 @@
             </a:r>
             <a:endParaRPr lang="pt-BR" altLang="pt-BR" sz="3400" b="1" i="1" dirty="0">
               <a:solidFill>
-                <a:schemeClr val="tx1"/>
+                <a:schemeClr val="bg1"/>
               </a:solidFill>
               <a:effectLst>
                 <a:outerShdw blurRad="38100" dist="38100" dir="2700000" algn="tl">
@@ -7443,7 +7402,7 @@
           <p:cNvPr id="36" name="Rectangle 216">
             <a:extLst>
               <a:ext uri="{FF2B5EF4-FFF2-40B4-BE49-F238E27FC236}">
-                <a16:creationId xmlns="" xmlns:a16="http://schemas.microsoft.com/office/drawing/2014/main" id="{5A48CA5F-FD83-42EE-9487-3C6072D35993}"/>
+                <a16:creationId xmlns:a16="http://schemas.microsoft.com/office/drawing/2014/main" id="{5A48CA5F-FD83-42EE-9487-3C6072D35993}"/>
               </a:ext>
             </a:extLst>
           </p:cNvPr>
@@ -7460,6 +7419,9 @@
           <a:prstGeom prst="rect">
             <a:avLst/>
           </a:prstGeom>
+          <a:solidFill>
+            <a:srgbClr val="B40085"/>
+          </a:solidFill>
           <a:ln>
             <a:headEnd/>
             <a:tailEnd/>
@@ -7583,7 +7545,7 @@
             <a:r>
               <a:rPr lang="pt-BR" altLang="pt-BR" sz="3400" b="1" dirty="0">
                 <a:solidFill>
-                  <a:schemeClr val="tx1"/>
+                  <a:schemeClr val="bg1"/>
                 </a:solidFill>
                 <a:effectLst>
                   <a:outerShdw blurRad="38100" dist="38100" dir="2700000" algn="tl">
@@ -7597,7 +7559,7 @@
             </a:r>
             <a:endParaRPr lang="pt-BR" altLang="pt-BR" sz="3400" b="1" i="1" dirty="0">
               <a:solidFill>
-                <a:schemeClr val="tx1"/>
+                <a:schemeClr val="bg1"/>
               </a:solidFill>
               <a:effectLst>
                 <a:outerShdw blurRad="38100" dist="38100" dir="2700000" algn="tl">
@@ -7615,7 +7577,7 @@
           <p:cNvPr id="37" name="Rectangle 216">
             <a:extLst>
               <a:ext uri="{FF2B5EF4-FFF2-40B4-BE49-F238E27FC236}">
-                <a16:creationId xmlns="" xmlns:a16="http://schemas.microsoft.com/office/drawing/2014/main" id="{B0A4FA91-3A73-46CB-92CE-37D77A17B922}"/>
+                <a16:creationId xmlns:a16="http://schemas.microsoft.com/office/drawing/2014/main" id="{B0A4FA91-3A73-46CB-92CE-37D77A17B922}"/>
               </a:ext>
             </a:extLst>
           </p:cNvPr>
@@ -7632,6 +7594,9 @@
           <a:prstGeom prst="rect">
             <a:avLst/>
           </a:prstGeom>
+          <a:solidFill>
+            <a:srgbClr val="B40085"/>
+          </a:solidFill>
           <a:ln>
             <a:headEnd/>
             <a:tailEnd/>
@@ -7755,7 +7720,7 @@
             <a:r>
               <a:rPr lang="pt-BR" altLang="pt-BR" sz="3400" b="1" dirty="0">
                 <a:solidFill>
-                  <a:schemeClr val="tx1"/>
+                  <a:schemeClr val="bg1"/>
                 </a:solidFill>
                 <a:effectLst>
                   <a:outerShdw blurRad="38100" dist="38100" dir="2700000" algn="tl">
@@ -7769,7 +7734,7 @@
             </a:r>
             <a:endParaRPr lang="pt-BR" altLang="pt-BR" sz="3400" b="1" i="1" dirty="0">
               <a:solidFill>
-                <a:schemeClr val="tx1"/>
+                <a:schemeClr val="bg1"/>
               </a:solidFill>
               <a:effectLst>
                 <a:outerShdw blurRad="38100" dist="38100" dir="2700000" algn="tl">
@@ -7787,7 +7752,7 @@
           <p:cNvPr id="3" name="Imagem 2">
             <a:extLst>
               <a:ext uri="{FF2B5EF4-FFF2-40B4-BE49-F238E27FC236}">
-                <a16:creationId xmlns="" xmlns:a16="http://schemas.microsoft.com/office/drawing/2014/main" id="{6FD47868-0173-4D3B-BDA6-F78881F3A30D}"/>
+                <a16:creationId xmlns:a16="http://schemas.microsoft.com/office/drawing/2014/main" id="{6FD47868-0173-4D3B-BDA6-F78881F3A30D}"/>
               </a:ext>
             </a:extLst>
           </p:cNvPr>
@@ -7902,10 +7867,9 @@
           <a:p>
             <a:pPr algn="ctr"/>
             <a:r>
-              <a:rPr lang="pt-BR" b="1" dirty="0" smtClean="0"/>
+              <a:rPr lang="pt-BR" b="1" dirty="0"/>
               <a:t>Figura 1 – R Ladies Niterói 1º capítulo, agosto de 2018. </a:t>
             </a:r>
-            <a:endParaRPr lang="pt-BR" b="1" dirty="0"/>
           </a:p>
         </p:txBody>
       </p:sp>
@@ -7956,10 +7920,9 @@
           <a:p>
             <a:pPr algn="ctr"/>
             <a:r>
-              <a:rPr lang="pt-BR" b="1" dirty="0" smtClean="0"/>
+              <a:rPr lang="pt-BR" b="1" dirty="0"/>
               <a:t>Tabela 1 – Temas abordados pelas R Ladies Niterói</a:t>
             </a:r>
-            <a:endParaRPr lang="pt-BR" b="1" dirty="0"/>
           </a:p>
         </p:txBody>
       </p:sp>
@@ -7987,10 +7950,9 @@
           <a:p>
             <a:pPr algn="ctr"/>
             <a:r>
-              <a:rPr lang="pt-BR" b="1" dirty="0" smtClean="0"/>
+              <a:rPr lang="pt-BR" b="1" dirty="0"/>
               <a:t>Figura 2 – Distribuição das R Ladies pelo mundo</a:t>
             </a:r>
-            <a:endParaRPr lang="pt-BR" b="1" dirty="0"/>
           </a:p>
         </p:txBody>
       </p:sp>

--- a/modelo_poster_11a_semest.pptx
+++ b/modelo_poster_11a_semest.pptx
@@ -607,7 +607,7 @@
             <a:fld id="{EBA8F28D-A6A0-4B3E-92F3-1091601FA7AC}" type="datetimeFigureOut">
               <a:rPr lang="pt-BR" altLang="pt-BR"/>
               <a:pPr/>
-              <a:t>10/10/2019</a:t>
+              <a:t>11/10/2019</a:t>
             </a:fld>
             <a:endParaRPr lang="pt-BR" altLang="pt-BR"/>
           </a:p>
@@ -5977,7 +5977,7 @@
             <a:avLst/>
           </a:prstGeom>
           <a:solidFill>
-            <a:srgbClr val="B40085"/>
+            <a:srgbClr val="820060"/>
           </a:solidFill>
           <a:ln>
             <a:headEnd/>
@@ -6168,36 +6168,32 @@
               <a:t>O R Ladies Niterói foi fundado pela Professora Doutora Luciane Alcoforado com a colaboração da doutoranda Noelle Camello, das alunas Julia Hellen Ferreira e Maciela Rodrigues. Em agosto de 2018, aconteceu o 1º capítulo na Universidade Federal Fluminense. A programação abordou os seguintes temas : </a:t>
             </a:r>
             <a:r>
+              <a:rPr lang="pt-BR" sz="2800" b="1" i="1" dirty="0"/>
+              <a:t>“O R e suas infinitas possibilidades” </a:t>
+            </a:r>
+            <a:r>
+              <a:rPr lang="pt-BR" sz="2800" dirty="0"/>
+              <a:t>pela palestrante Noelle Camello e </a:t>
+            </a:r>
+            <a:r>
               <a:rPr lang="pt-BR" sz="2800" b="1" dirty="0"/>
-              <a:t>“O R e suas infinitas possibilidades”</a:t>
+              <a:t>“</a:t>
+            </a:r>
+            <a:r>
+              <a:rPr lang="pt-BR" sz="2800" b="1" i="1" dirty="0"/>
+              <a:t>R Commander para leigos em R” </a:t>
             </a:r>
             <a:r>
               <a:rPr lang="pt-BR" sz="2800" dirty="0"/>
-              <a:t> pela palestrante Noelle Camello e </a:t>
-            </a:r>
-            <a:r>
-              <a:rPr lang="pt-BR" sz="2800" b="1" dirty="0"/>
-              <a:t>“R Commander para leigos em R”</a:t>
+              <a:t>pelas alunas da graduação em estatística da UFF, Julia Hellen Ferreira e Maciela Rodrigues. Foi encerrado com uma apresentação da Luciane Alcoforado sobre </a:t>
+            </a:r>
+            <a:r>
+              <a:rPr lang="pt-BR" sz="2800" b="1" i="1" dirty="0"/>
+              <a:t>“O Projeto Estatística é com R”.  </a:t>
             </a:r>
             <a:r>
               <a:rPr lang="pt-BR" sz="2800" dirty="0"/>
-              <a:t> pelas alunas da graduação em estatística da UFF, Julia Hellen Ferreira e Maciela Rodrigues. Foi encerrado com uma apresentação da Luciane Alcoforado sobre </a:t>
-            </a:r>
-            <a:r>
-              <a:rPr lang="pt-BR" sz="2800" b="1" dirty="0"/>
-              <a:t>“O Projeto Estatística é com R</a:t>
-            </a:r>
-            <a:r>
-              <a:rPr lang="pt-BR" sz="2800" dirty="0"/>
-              <a:t>”.  Segundo o site </a:t>
-            </a:r>
-            <a:r>
-              <a:rPr lang="pt-BR" sz="2800" dirty="0" err="1"/>
-              <a:t>Meetup</a:t>
-            </a:r>
-            <a:r>
-              <a:rPr lang="pt-BR" sz="2800" dirty="0"/>
-              <a:t> [2], o capítulo teve 126 inscritos que  é um grande sucesso para comunidade.</a:t>
+              <a:t>Segundo o site Meetup [2], o capítulo teve 126 inscritos que  é um grande sucesso para comunidade.</a:t>
             </a:r>
           </a:p>
           <a:p>
@@ -6536,15 +6532,11 @@
             <a:pPr algn="just"/>
             <a:r>
               <a:rPr lang="pt-BR" sz="2800" dirty="0"/>
-              <a:t>Em agosto de 2019, o R Ladies Niterói completou 1 ano e ao longo deste tempo tivemos grandes avanços. Podemos destacar </a:t>
-            </a:r>
-            <a:r>
-              <a:rPr lang="pt-BR" sz="2800"/>
-              <a:t>entre eles, </a:t>
-            </a:r>
-            <a:r>
-              <a:rPr lang="pt-BR" sz="2800" dirty="0"/>
-              <a:t>a participação no Seminário Internacional de Estatística com R (SER), no qual as R Ladies São Paulo apresentaram o tema “Comunicando seus resultados: criando apresentações com R”.</a:t>
+              <a:t>Em agosto de 2019, o R Ladies Niterói completou 1 ano e ao longo deste tempo tivemos grandes avanços. Podemos destacar entre eles, a participação no Seminário Internacional de Estatística com R (SER), no qual as R Ladies São Paulo apresentaram o tema </a:t>
+            </a:r>
+            <a:r>
+              <a:rPr lang="pt-BR" sz="2800" b="1" i="1" dirty="0"/>
+              <a:t>“Comunicando seus resultados: criando apresentações com R”.</a:t>
             </a:r>
           </a:p>
           <a:p>
@@ -6558,7 +6550,27 @@
             <a:pPr algn="just"/>
             <a:r>
               <a:rPr lang="pt-BR" sz="2800" dirty="0"/>
-              <a:t>No mês de setembro, a Biblioteca Parque de Niterói fechou parceira com as R Ladies. Foi ofertado uma palestra com o título “Analisando as Bilheterias Mundiais do Cinema” e um minicurso de “Introdução a Linguagem R” com as R Ladies Niterói. </a:t>
+              <a:t>No mês de setembro, a Biblioteca Parque de Niterói fechou parceira com as R Ladies. Foi ofertado uma palestra com o título </a:t>
+            </a:r>
+            <a:r>
+              <a:rPr lang="pt-BR" sz="2800" b="1" i="1" dirty="0"/>
+              <a:t>“Analisando as Bilheterias Mundiais do Cinema usando o R” </a:t>
+            </a:r>
+            <a:r>
+              <a:rPr lang="pt-BR" sz="2800" dirty="0"/>
+              <a:t>e um minicurso </a:t>
+            </a:r>
+            <a:r>
+              <a:rPr lang="pt-BR" sz="2800" i="1" dirty="0"/>
+              <a:t>de </a:t>
+            </a:r>
+            <a:r>
+              <a:rPr lang="pt-BR" sz="2800" b="1" i="1" dirty="0"/>
+              <a:t>“Introdução à Linguagem R” </a:t>
+            </a:r>
+            <a:r>
+              <a:rPr lang="pt-BR" sz="2800" dirty="0"/>
+              <a:t>com as R Ladies Niterói. </a:t>
             </a:r>
           </a:p>
           <a:p>
@@ -7070,7 +7082,7 @@
             <a:avLst/>
           </a:prstGeom>
           <a:solidFill>
-            <a:srgbClr val="B40085"/>
+            <a:srgbClr val="820060"/>
           </a:solidFill>
           <a:ln>
             <a:headEnd/>
@@ -7245,7 +7257,7 @@
             <a:avLst/>
           </a:prstGeom>
           <a:solidFill>
-            <a:srgbClr val="B40085"/>
+            <a:srgbClr val="820060"/>
           </a:solidFill>
           <a:ln>
             <a:headEnd/>
@@ -7420,7 +7432,7 @@
             <a:avLst/>
           </a:prstGeom>
           <a:solidFill>
-            <a:srgbClr val="B40085"/>
+            <a:srgbClr val="820060"/>
           </a:solidFill>
           <a:ln>
             <a:headEnd/>
@@ -7595,7 +7607,7 @@
             <a:avLst/>
           </a:prstGeom>
           <a:solidFill>
-            <a:srgbClr val="B40085"/>
+            <a:srgbClr val="820060"/>
           </a:solidFill>
           <a:ln>
             <a:headEnd/>

--- a/modelo_poster_11a_semest.pptx
+++ b/modelo_poster_11a_semest.pptx
@@ -7810,7 +7810,7 @@
         </p:blipFill>
         <p:spPr>
           <a:xfrm>
-            <a:off x="16459277" y="23321759"/>
+            <a:off x="16845464" y="23343856"/>
             <a:ext cx="15151023" cy="7063653"/>
           </a:xfrm>
           <a:prstGeom prst="rect">
